--- a/documentation/draft/ci-environment/dependency-diagram(draft).pptx
+++ b/documentation/draft/ci-environment/dependency-diagram(draft).pptx
@@ -6,12 +6,13 @@
   </p:sldMasterIdLst>
   <p:sldIdLst>
     <p:sldId id="256" r:id="rId2"/>
-    <p:sldId id="261" r:id="rId3"/>
-    <p:sldId id="260" r:id="rId4"/>
-    <p:sldId id="262" r:id="rId5"/>
-    <p:sldId id="258" r:id="rId6"/>
-    <p:sldId id="259" r:id="rId7"/>
-    <p:sldId id="257" r:id="rId8"/>
+    <p:sldId id="263" r:id="rId3"/>
+    <p:sldId id="261" r:id="rId4"/>
+    <p:sldId id="260" r:id="rId5"/>
+    <p:sldId id="262" r:id="rId6"/>
+    <p:sldId id="258" r:id="rId7"/>
+    <p:sldId id="259" r:id="rId8"/>
+    <p:sldId id="257" r:id="rId9"/>
   </p:sldIdLst>
   <p:sldSz cx="9144000" cy="6858000" type="screen4x3"/>
   <p:notesSz cx="6858000" cy="9144000"/>
@@ -294,7 +295,8 @@
           <a:p>
             <a:fld id="{FB30EDBD-1C2D-4C1E-B459-B60219FAB484}" type="datetimeFigureOut">
               <a:rPr lang="ko-KR" altLang="en-US" smtClean="0"/>
-              <a:t>2012-05-11</a:t>
+              <a:pPr/>
+              <a:t>2012-09-03</a:t>
             </a:fld>
             <a:endParaRPr lang="ko-KR" altLang="en-US"/>
           </a:p>
@@ -336,6 +338,7 @@
           <a:p>
             <a:fld id="{4BEDD84E-25D4-4983-8AA1-2863C96F08D9}" type="slidenum">
               <a:rPr lang="ko-KR" altLang="en-US" smtClean="0"/>
+              <a:pPr/>
               <a:t>‹#›</a:t>
             </a:fld>
             <a:endParaRPr lang="ko-KR" altLang="en-US"/>
@@ -459,7 +462,8 @@
           <a:p>
             <a:fld id="{FB30EDBD-1C2D-4C1E-B459-B60219FAB484}" type="datetimeFigureOut">
               <a:rPr lang="ko-KR" altLang="en-US" smtClean="0"/>
-              <a:t>2012-05-11</a:t>
+              <a:pPr/>
+              <a:t>2012-09-03</a:t>
             </a:fld>
             <a:endParaRPr lang="ko-KR" altLang="en-US"/>
           </a:p>
@@ -501,6 +505,7 @@
           <a:p>
             <a:fld id="{4BEDD84E-25D4-4983-8AA1-2863C96F08D9}" type="slidenum">
               <a:rPr lang="ko-KR" altLang="en-US" smtClean="0"/>
+              <a:pPr/>
               <a:t>‹#›</a:t>
             </a:fld>
             <a:endParaRPr lang="ko-KR" altLang="en-US"/>
@@ -634,7 +639,8 @@
           <a:p>
             <a:fld id="{FB30EDBD-1C2D-4C1E-B459-B60219FAB484}" type="datetimeFigureOut">
               <a:rPr lang="ko-KR" altLang="en-US" smtClean="0"/>
-              <a:t>2012-05-11</a:t>
+              <a:pPr/>
+              <a:t>2012-09-03</a:t>
             </a:fld>
             <a:endParaRPr lang="ko-KR" altLang="en-US"/>
           </a:p>
@@ -676,6 +682,7 @@
           <a:p>
             <a:fld id="{4BEDD84E-25D4-4983-8AA1-2863C96F08D9}" type="slidenum">
               <a:rPr lang="ko-KR" altLang="en-US" smtClean="0"/>
+              <a:pPr/>
               <a:t>‹#›</a:t>
             </a:fld>
             <a:endParaRPr lang="ko-KR" altLang="en-US"/>
@@ -799,7 +806,8 @@
           <a:p>
             <a:fld id="{FB30EDBD-1C2D-4C1E-B459-B60219FAB484}" type="datetimeFigureOut">
               <a:rPr lang="ko-KR" altLang="en-US" smtClean="0"/>
-              <a:t>2012-05-11</a:t>
+              <a:pPr/>
+              <a:t>2012-09-03</a:t>
             </a:fld>
             <a:endParaRPr lang="ko-KR" altLang="en-US"/>
           </a:p>
@@ -841,6 +849,7 @@
           <a:p>
             <a:fld id="{4BEDD84E-25D4-4983-8AA1-2863C96F08D9}" type="slidenum">
               <a:rPr lang="ko-KR" altLang="en-US" smtClean="0"/>
+              <a:pPr/>
               <a:t>‹#›</a:t>
             </a:fld>
             <a:endParaRPr lang="ko-KR" altLang="en-US"/>
@@ -1040,7 +1049,8 @@
           <a:p>
             <a:fld id="{FB30EDBD-1C2D-4C1E-B459-B60219FAB484}" type="datetimeFigureOut">
               <a:rPr lang="ko-KR" altLang="en-US" smtClean="0"/>
-              <a:t>2012-05-11</a:t>
+              <a:pPr/>
+              <a:t>2012-09-03</a:t>
             </a:fld>
             <a:endParaRPr lang="ko-KR" altLang="en-US"/>
           </a:p>
@@ -1082,6 +1092,7 @@
           <a:p>
             <a:fld id="{4BEDD84E-25D4-4983-8AA1-2863C96F08D9}" type="slidenum">
               <a:rPr lang="ko-KR" altLang="en-US" smtClean="0"/>
+              <a:pPr/>
               <a:t>‹#›</a:t>
             </a:fld>
             <a:endParaRPr lang="ko-KR" altLang="en-US"/>
@@ -1323,7 +1334,8 @@
           <a:p>
             <a:fld id="{FB30EDBD-1C2D-4C1E-B459-B60219FAB484}" type="datetimeFigureOut">
               <a:rPr lang="ko-KR" altLang="en-US" smtClean="0"/>
-              <a:t>2012-05-11</a:t>
+              <a:pPr/>
+              <a:t>2012-09-03</a:t>
             </a:fld>
             <a:endParaRPr lang="ko-KR" altLang="en-US"/>
           </a:p>
@@ -1365,6 +1377,7 @@
           <a:p>
             <a:fld id="{4BEDD84E-25D4-4983-8AA1-2863C96F08D9}" type="slidenum">
               <a:rPr lang="ko-KR" altLang="en-US" smtClean="0"/>
+              <a:pPr/>
               <a:t>‹#›</a:t>
             </a:fld>
             <a:endParaRPr lang="ko-KR" altLang="en-US"/>
@@ -1740,7 +1753,8 @@
           <a:p>
             <a:fld id="{FB30EDBD-1C2D-4C1E-B459-B60219FAB484}" type="datetimeFigureOut">
               <a:rPr lang="ko-KR" altLang="en-US" smtClean="0"/>
-              <a:t>2012-05-11</a:t>
+              <a:pPr/>
+              <a:t>2012-09-03</a:t>
             </a:fld>
             <a:endParaRPr lang="ko-KR" altLang="en-US"/>
           </a:p>
@@ -1782,6 +1796,7 @@
           <a:p>
             <a:fld id="{4BEDD84E-25D4-4983-8AA1-2863C96F08D9}" type="slidenum">
               <a:rPr lang="ko-KR" altLang="en-US" smtClean="0"/>
+              <a:pPr/>
               <a:t>‹#›</a:t>
             </a:fld>
             <a:endParaRPr lang="ko-KR" altLang="en-US"/>
@@ -1853,7 +1868,8 @@
           <a:p>
             <a:fld id="{FB30EDBD-1C2D-4C1E-B459-B60219FAB484}" type="datetimeFigureOut">
               <a:rPr lang="ko-KR" altLang="en-US" smtClean="0"/>
-              <a:t>2012-05-11</a:t>
+              <a:pPr/>
+              <a:t>2012-09-03</a:t>
             </a:fld>
             <a:endParaRPr lang="ko-KR" altLang="en-US"/>
           </a:p>
@@ -1895,6 +1911,7 @@
           <a:p>
             <a:fld id="{4BEDD84E-25D4-4983-8AA1-2863C96F08D9}" type="slidenum">
               <a:rPr lang="ko-KR" altLang="en-US" smtClean="0"/>
+              <a:pPr/>
               <a:t>‹#›</a:t>
             </a:fld>
             <a:endParaRPr lang="ko-KR" altLang="en-US"/>
@@ -1943,7 +1960,8 @@
           <a:p>
             <a:fld id="{FB30EDBD-1C2D-4C1E-B459-B60219FAB484}" type="datetimeFigureOut">
               <a:rPr lang="ko-KR" altLang="en-US" smtClean="0"/>
-              <a:t>2012-05-11</a:t>
+              <a:pPr/>
+              <a:t>2012-09-03</a:t>
             </a:fld>
             <a:endParaRPr lang="ko-KR" altLang="en-US"/>
           </a:p>
@@ -1985,6 +2003,7 @@
           <a:p>
             <a:fld id="{4BEDD84E-25D4-4983-8AA1-2863C96F08D9}" type="slidenum">
               <a:rPr lang="ko-KR" altLang="en-US" smtClean="0"/>
+              <a:pPr/>
               <a:t>‹#›</a:t>
             </a:fld>
             <a:endParaRPr lang="ko-KR" altLang="en-US"/>
@@ -2215,7 +2234,8 @@
           <a:p>
             <a:fld id="{FB30EDBD-1C2D-4C1E-B459-B60219FAB484}" type="datetimeFigureOut">
               <a:rPr lang="ko-KR" altLang="en-US" smtClean="0"/>
-              <a:t>2012-05-11</a:t>
+              <a:pPr/>
+              <a:t>2012-09-03</a:t>
             </a:fld>
             <a:endParaRPr lang="ko-KR" altLang="en-US"/>
           </a:p>
@@ -2257,6 +2277,7 @@
           <a:p>
             <a:fld id="{4BEDD84E-25D4-4983-8AA1-2863C96F08D9}" type="slidenum">
               <a:rPr lang="ko-KR" altLang="en-US" smtClean="0"/>
+              <a:pPr/>
               <a:t>‹#›</a:t>
             </a:fld>
             <a:endParaRPr lang="ko-KR" altLang="en-US"/>
@@ -2463,7 +2484,8 @@
           <a:p>
             <a:fld id="{FB30EDBD-1C2D-4C1E-B459-B60219FAB484}" type="datetimeFigureOut">
               <a:rPr lang="ko-KR" altLang="en-US" smtClean="0"/>
-              <a:t>2012-05-11</a:t>
+              <a:pPr/>
+              <a:t>2012-09-03</a:t>
             </a:fld>
             <a:endParaRPr lang="ko-KR" altLang="en-US"/>
           </a:p>
@@ -2505,6 +2527,7 @@
           <a:p>
             <a:fld id="{4BEDD84E-25D4-4983-8AA1-2863C96F08D9}" type="slidenum">
               <a:rPr lang="ko-KR" altLang="en-US" smtClean="0"/>
+              <a:pPr/>
               <a:t>‹#›</a:t>
             </a:fld>
             <a:endParaRPr lang="ko-KR" altLang="en-US"/>
@@ -2671,7 +2694,8 @@
           <a:p>
             <a:fld id="{FB30EDBD-1C2D-4C1E-B459-B60219FAB484}" type="datetimeFigureOut">
               <a:rPr lang="ko-KR" altLang="en-US" smtClean="0"/>
-              <a:t>2012-05-11</a:t>
+              <a:pPr/>
+              <a:t>2012-09-03</a:t>
             </a:fld>
             <a:endParaRPr lang="ko-KR" altLang="en-US"/>
           </a:p>
@@ -2749,6 +2773,7 @@
           <a:p>
             <a:fld id="{4BEDD84E-25D4-4983-8AA1-2863C96F08D9}" type="slidenum">
               <a:rPr lang="ko-KR" altLang="en-US" smtClean="0"/>
+              <a:pPr/>
               <a:t>‹#›</a:t>
             </a:fld>
             <a:endParaRPr lang="ko-KR" altLang="en-US"/>
@@ -3050,6 +3075,407 @@
         <p:grpSpPr>
           <a:xfrm>
             <a:off x="1565840" y="985668"/>
+            <a:ext cx="4616360" cy="4800688"/>
+            <a:chOff x="2692819" y="312768"/>
+            <a:chExt cx="4616360" cy="4800688"/>
+          </a:xfrm>
+        </p:grpSpPr>
+        <p:sp>
+          <p:nvSpPr>
+            <p:cNvPr id="27" name="정육면체 26"/>
+            <p:cNvSpPr/>
+            <p:nvPr/>
+          </p:nvSpPr>
+          <p:spPr>
+            <a:xfrm>
+              <a:off x="6222086" y="312768"/>
+              <a:ext cx="1087093" cy="676344"/>
+            </a:xfrm>
+            <a:prstGeom prst="cube">
+              <a:avLst/>
+            </a:prstGeom>
+            <a:ln>
+              <a:solidFill>
+                <a:schemeClr val="tx1"/>
+              </a:solidFill>
+            </a:ln>
+          </p:spPr>
+          <p:style>
+            <a:lnRef idx="0">
+              <a:schemeClr val="accent1"/>
+            </a:lnRef>
+            <a:fillRef idx="3">
+              <a:schemeClr val="accent1"/>
+            </a:fillRef>
+            <a:effectRef idx="3">
+              <a:schemeClr val="accent1"/>
+            </a:effectRef>
+            <a:fontRef idx="minor">
+              <a:schemeClr val="lt1"/>
+            </a:fontRef>
+          </p:style>
+          <p:txBody>
+            <a:bodyPr rtlCol="0" anchor="ctr"/>
+            <a:lstStyle/>
+            <a:p>
+              <a:pPr algn="ctr"/>
+              <a:r>
+                <a:rPr lang="en-US" altLang="ko-KR" sz="800" dirty="0" err="1" smtClean="0"/>
+                <a:t>dev</a:t>
+              </a:r>
+              <a:r>
+                <a:rPr lang="en-US" altLang="ko-KR" sz="800" dirty="0" smtClean="0"/>
+                <a:t>-</a:t>
+              </a:r>
+              <a:r>
+                <a:rPr lang="en-US" altLang="ko-KR" sz="800" dirty="0" err="1" smtClean="0"/>
+                <a:t>ccm</a:t>
+              </a:r>
+              <a:r>
+                <a:rPr lang="en-US" altLang="ko-KR" sz="800" dirty="0" smtClean="0"/>
+                <a:t>-restart-by-</a:t>
+              </a:r>
+              <a:r>
+                <a:rPr lang="en-US" altLang="ko-KR" sz="800" dirty="0" err="1" smtClean="0"/>
+                <a:t>ssh</a:t>
+              </a:r>
+              <a:endParaRPr lang="ko-KR" altLang="en-US" sz="800" dirty="0"/>
+            </a:p>
+          </p:txBody>
+        </p:sp>
+        <p:cxnSp>
+          <p:nvCxnSpPr>
+            <p:cNvPr id="83" name="직선 연결선 82"/>
+            <p:cNvCxnSpPr/>
+            <p:nvPr/>
+          </p:nvCxnSpPr>
+          <p:spPr>
+            <a:xfrm flipV="1">
+              <a:off x="5698979" y="917104"/>
+              <a:ext cx="962128" cy="1046908"/>
+            </a:xfrm>
+            <a:prstGeom prst="line">
+              <a:avLst/>
+            </a:prstGeom>
+            <a:ln w="127000">
+              <a:solidFill>
+                <a:srgbClr val="FFC000"/>
+              </a:solidFill>
+              <a:tailEnd type="triangle" w="sm" len="sm"/>
+            </a:ln>
+          </p:spPr>
+          <p:style>
+            <a:lnRef idx="1">
+              <a:schemeClr val="accent1"/>
+            </a:lnRef>
+            <a:fillRef idx="0">
+              <a:schemeClr val="accent1"/>
+            </a:fillRef>
+            <a:effectRef idx="0">
+              <a:schemeClr val="accent1"/>
+            </a:effectRef>
+            <a:fontRef idx="minor">
+              <a:schemeClr val="tx1"/>
+            </a:fontRef>
+          </p:style>
+        </p:cxnSp>
+        <p:sp>
+          <p:nvSpPr>
+            <p:cNvPr id="84" name="정육면체 83"/>
+            <p:cNvSpPr/>
+            <p:nvPr/>
+          </p:nvSpPr>
+          <p:spPr>
+            <a:xfrm>
+              <a:off x="5122915" y="1691647"/>
+              <a:ext cx="1087093" cy="676344"/>
+            </a:xfrm>
+            <a:prstGeom prst="cube">
+              <a:avLst/>
+            </a:prstGeom>
+            <a:ln>
+              <a:solidFill>
+                <a:schemeClr val="tx1"/>
+              </a:solidFill>
+            </a:ln>
+          </p:spPr>
+          <p:style>
+            <a:lnRef idx="0">
+              <a:schemeClr val="accent1"/>
+            </a:lnRef>
+            <a:fillRef idx="3">
+              <a:schemeClr val="accent1"/>
+            </a:fillRef>
+            <a:effectRef idx="3">
+              <a:schemeClr val="accent1"/>
+            </a:effectRef>
+            <a:fontRef idx="minor">
+              <a:schemeClr val="lt1"/>
+            </a:fontRef>
+          </p:style>
+          <p:txBody>
+            <a:bodyPr rtlCol="0" anchor="ctr"/>
+            <a:lstStyle/>
+            <a:p>
+              <a:pPr algn="ctr"/>
+              <a:r>
+                <a:rPr lang="en-US" altLang="ko-KR" sz="800" dirty="0" smtClean="0"/>
+                <a:t>dev-</a:t>
+              </a:r>
+              <a:r>
+                <a:rPr lang="en-US" altLang="ko-KR" sz="800" dirty="0" err="1" smtClean="0"/>
+                <a:t>ccm</a:t>
+              </a:r>
+              <a:r>
+                <a:rPr lang="en-US" altLang="ko-KR" sz="800" dirty="0" smtClean="0"/>
+                <a:t>-publish-by-</a:t>
+              </a:r>
+              <a:r>
+                <a:rPr lang="en-US" altLang="ko-KR" sz="800" dirty="0" err="1" smtClean="0"/>
+                <a:t>rsync</a:t>
+              </a:r>
+              <a:endParaRPr lang="ko-KR" altLang="en-US" sz="800" dirty="0"/>
+            </a:p>
+          </p:txBody>
+        </p:sp>
+        <p:cxnSp>
+          <p:nvCxnSpPr>
+            <p:cNvPr id="100" name="직선 연결선 99"/>
+            <p:cNvCxnSpPr/>
+            <p:nvPr/>
+          </p:nvCxnSpPr>
+          <p:spPr>
+            <a:xfrm flipV="1">
+              <a:off x="3412899" y="3671528"/>
+              <a:ext cx="871069" cy="981608"/>
+            </a:xfrm>
+            <a:prstGeom prst="line">
+              <a:avLst/>
+            </a:prstGeom>
+            <a:ln w="127000">
+              <a:solidFill>
+                <a:srgbClr val="FFC000"/>
+              </a:solidFill>
+              <a:tailEnd type="triangle" w="sm" len="sm"/>
+            </a:ln>
+          </p:spPr>
+          <p:style>
+            <a:lnRef idx="1">
+              <a:schemeClr val="accent1"/>
+            </a:lnRef>
+            <a:fillRef idx="0">
+              <a:schemeClr val="accent1"/>
+            </a:fillRef>
+            <a:effectRef idx="0">
+              <a:schemeClr val="accent1"/>
+            </a:effectRef>
+            <a:fontRef idx="minor">
+              <a:schemeClr val="tx1"/>
+            </a:fontRef>
+          </p:style>
+        </p:cxnSp>
+        <p:sp>
+          <p:nvSpPr>
+            <p:cNvPr id="101" name="정육면체 100"/>
+            <p:cNvSpPr/>
+            <p:nvPr/>
+          </p:nvSpPr>
+          <p:spPr>
+            <a:xfrm>
+              <a:off x="2692819" y="4437112"/>
+              <a:ext cx="1087093" cy="676344"/>
+            </a:xfrm>
+            <a:prstGeom prst="cube">
+              <a:avLst/>
+            </a:prstGeom>
+            <a:ln>
+              <a:solidFill>
+                <a:schemeClr val="tx1"/>
+              </a:solidFill>
+            </a:ln>
+          </p:spPr>
+          <p:style>
+            <a:lnRef idx="0">
+              <a:schemeClr val="accent1"/>
+            </a:lnRef>
+            <a:fillRef idx="3">
+              <a:schemeClr val="accent1"/>
+            </a:fillRef>
+            <a:effectRef idx="3">
+              <a:schemeClr val="accent1"/>
+            </a:effectRef>
+            <a:fontRef idx="minor">
+              <a:schemeClr val="lt1"/>
+            </a:fontRef>
+          </p:style>
+          <p:txBody>
+            <a:bodyPr rtlCol="0" anchor="ctr"/>
+            <a:lstStyle/>
+            <a:p>
+              <a:pPr algn="ctr"/>
+              <a:r>
+                <a:rPr lang="en-US" altLang="ko-KR" sz="800" dirty="0" err="1" smtClean="0"/>
+                <a:t>dev</a:t>
+              </a:r>
+              <a:r>
+                <a:rPr lang="en-US" altLang="ko-KR" sz="800" dirty="0" smtClean="0"/>
+                <a:t>-</a:t>
+              </a:r>
+              <a:r>
+                <a:rPr lang="en-US" altLang="ko-KR" sz="800" dirty="0" err="1" smtClean="0"/>
+                <a:t>ccm</a:t>
+              </a:r>
+              <a:r>
+                <a:rPr lang="en-US" altLang="ko-KR" sz="800" dirty="0" smtClean="0"/>
+                <a:t>-prepare</a:t>
+              </a:r>
+              <a:endParaRPr lang="ko-KR" altLang="en-US" sz="800" dirty="0"/>
+            </a:p>
+          </p:txBody>
+        </p:sp>
+        <p:cxnSp>
+          <p:nvCxnSpPr>
+            <p:cNvPr id="215" name="직선 연결선 214"/>
+            <p:cNvCxnSpPr/>
+            <p:nvPr/>
+          </p:nvCxnSpPr>
+          <p:spPr>
+            <a:xfrm flipV="1">
+              <a:off x="4690867" y="2252044"/>
+              <a:ext cx="792088" cy="1008112"/>
+            </a:xfrm>
+            <a:prstGeom prst="line">
+              <a:avLst/>
+            </a:prstGeom>
+            <a:ln w="127000">
+              <a:solidFill>
+                <a:srgbClr val="FFC000"/>
+              </a:solidFill>
+              <a:headEnd w="sm" len="sm"/>
+              <a:tailEnd type="triangle" w="sm" len="sm"/>
+            </a:ln>
+          </p:spPr>
+          <p:style>
+            <a:lnRef idx="1">
+              <a:schemeClr val="accent1"/>
+            </a:lnRef>
+            <a:fillRef idx="0">
+              <a:schemeClr val="accent1"/>
+            </a:fillRef>
+            <a:effectRef idx="0">
+              <a:schemeClr val="accent1"/>
+            </a:effectRef>
+            <a:fontRef idx="minor">
+              <a:schemeClr val="tx1"/>
+            </a:fontRef>
+          </p:style>
+        </p:cxnSp>
+      </p:grpSp>
+      <p:sp>
+        <p:nvSpPr>
+          <p:cNvPr id="30" name="정육면체 29"/>
+          <p:cNvSpPr/>
+          <p:nvPr/>
+        </p:nvSpPr>
+        <p:spPr>
+          <a:xfrm>
+            <a:off x="2724941" y="3741860"/>
+            <a:ext cx="1087093" cy="676344"/>
+          </a:xfrm>
+          <a:prstGeom prst="cube">
+            <a:avLst/>
+          </a:prstGeom>
+          <a:ln>
+            <a:solidFill>
+              <a:schemeClr val="tx1"/>
+            </a:solidFill>
+          </a:ln>
+        </p:spPr>
+        <p:style>
+          <a:lnRef idx="0">
+            <a:schemeClr val="accent1"/>
+          </a:lnRef>
+          <a:fillRef idx="3">
+            <a:schemeClr val="accent1"/>
+          </a:fillRef>
+          <a:effectRef idx="3">
+            <a:schemeClr val="accent1"/>
+          </a:effectRef>
+          <a:fontRef idx="minor">
+            <a:schemeClr val="lt1"/>
+          </a:fontRef>
+        </p:style>
+        <p:txBody>
+          <a:bodyPr rtlCol="0" anchor="ctr"/>
+          <a:lstStyle/>
+          <a:p>
+            <a:pPr algn="ctr"/>
+            <a:r>
+              <a:rPr lang="en-US" altLang="ko-KR" sz="800" dirty="0" err="1" smtClean="0"/>
+              <a:t>dev</a:t>
+            </a:r>
+            <a:r>
+              <a:rPr lang="en-US" altLang="ko-KR" sz="800" dirty="0" smtClean="0"/>
+              <a:t>-</a:t>
+            </a:r>
+            <a:r>
+              <a:rPr lang="en-US" altLang="ko-KR" sz="800" dirty="0" err="1" smtClean="0"/>
+              <a:t>ccm</a:t>
+            </a:r>
+            <a:r>
+              <a:rPr lang="en-US" altLang="ko-KR" sz="800" dirty="0" smtClean="0"/>
+              <a:t>-publish</a:t>
+            </a:r>
+            <a:endParaRPr lang="ko-KR" altLang="en-US" sz="800" dirty="0"/>
+          </a:p>
+        </p:txBody>
+      </p:sp>
+    </p:spTree>
+    <p:extLst>
+      <p:ext uri="{BB962C8B-B14F-4D97-AF65-F5344CB8AC3E}">
+        <p14:creationId xmlns:p14="http://schemas.microsoft.com/office/powerpoint/2010/main" xmlns="" val="3136543692"/>
+      </p:ext>
+    </p:extLst>
+  </p:cSld>
+  <p:clrMapOvr>
+    <a:masterClrMapping/>
+  </p:clrMapOvr>
+  <p:timing>
+    <p:tnLst>
+      <p:par>
+        <p:cTn id="1" dur="indefinite" restart="never" nodeType="tmRoot"/>
+      </p:par>
+    </p:tnLst>
+  </p:timing>
+</p:sld>
+</file>
+
+<file path=ppt/slides/slide2.xml><?xml version="1.0" encoding="utf-8"?>
+<p:sld xmlns:a="http://schemas.openxmlformats.org/drawingml/2006/main" xmlns:r="http://schemas.openxmlformats.org/officeDocument/2006/relationships" xmlns:p="http://schemas.openxmlformats.org/presentationml/2006/main">
+  <p:cSld>
+    <p:spTree>
+      <p:nvGrpSpPr>
+        <p:cNvPr id="1" name=""/>
+        <p:cNvGrpSpPr/>
+        <p:nvPr/>
+      </p:nvGrpSpPr>
+      <p:grpSpPr>
+        <a:xfrm>
+          <a:off x="0" y="0"/>
+          <a:ext cx="0" cy="0"/>
+          <a:chOff x="0" y="0"/>
+          <a:chExt cx="0" cy="0"/>
+        </a:xfrm>
+      </p:grpSpPr>
+      <p:grpSp>
+        <p:nvGrpSpPr>
+          <p:cNvPr id="2" name="그룹 268"/>
+          <p:cNvGrpSpPr/>
+          <p:nvPr/>
+        </p:nvGrpSpPr>
+        <p:grpSpPr>
+          <a:xfrm>
+            <a:off x="1565840" y="985668"/>
             <a:ext cx="6343677" cy="4800688"/>
             <a:chOff x="2692819" y="312768"/>
             <a:chExt cx="6343677" cy="4800688"/>
@@ -3923,7 +4349,7 @@
             <a:blip r:embed="rId2" cstate="print">
               <a:extLst>
                 <a:ext uri="{28A0092B-C50C-407E-A947-70E740481C1C}">
-                  <a14:useLocalDpi xmlns:a14="http://schemas.microsoft.com/office/drawing/2010/main" val="0"/>
+                  <a14:useLocalDpi xmlns:a14="http://schemas.microsoft.com/office/drawing/2010/main" xmlns="" val="0"/>
                 </a:ext>
               </a:extLst>
             </a:blip>
@@ -4093,7 +4519,7 @@
     </p:spTree>
     <p:extLst>
       <p:ext uri="{BB962C8B-B14F-4D97-AF65-F5344CB8AC3E}">
-        <p14:creationId xmlns:p14="http://schemas.microsoft.com/office/powerpoint/2010/main" val="3136543692"/>
+        <p14:creationId xmlns:p14="http://schemas.microsoft.com/office/powerpoint/2010/main" xmlns="" val="3136543692"/>
       </p:ext>
     </p:extLst>
   </p:cSld>
@@ -4110,7 +4536,7 @@
 </p:sld>
 </file>
 
-<file path=ppt/slides/slide2.xml><?xml version="1.0" encoding="utf-8"?>
+<file path=ppt/slides/slide3.xml><?xml version="1.0" encoding="utf-8"?>
 <p:sld xmlns:a="http://schemas.openxmlformats.org/drawingml/2006/main" xmlns:r="http://schemas.openxmlformats.org/officeDocument/2006/relationships" xmlns:p="http://schemas.openxmlformats.org/presentationml/2006/main">
   <p:cSld>
     <p:spTree>
@@ -6059,7 +6485,7 @@
           <a:blip r:embed="rId2" cstate="print">
             <a:extLst>
               <a:ext uri="{28A0092B-C50C-407E-A947-70E740481C1C}">
-                <a14:useLocalDpi xmlns:a14="http://schemas.microsoft.com/office/drawing/2010/main" val="0"/>
+                <a14:useLocalDpi xmlns:a14="http://schemas.microsoft.com/office/drawing/2010/main" xmlns="" val="0"/>
               </a:ext>
             </a:extLst>
           </a:blip>
@@ -6215,7 +6641,7 @@
           <a:blip r:embed="rId2" cstate="print">
             <a:extLst>
               <a:ext uri="{28A0092B-C50C-407E-A947-70E740481C1C}">
-                <a14:useLocalDpi xmlns:a14="http://schemas.microsoft.com/office/drawing/2010/main" val="0"/>
+                <a14:useLocalDpi xmlns:a14="http://schemas.microsoft.com/office/drawing/2010/main" xmlns="" val="0"/>
               </a:ext>
             </a:extLst>
           </a:blip>
@@ -6236,7 +6662,7 @@
     </p:spTree>
     <p:extLst>
       <p:ext uri="{BB962C8B-B14F-4D97-AF65-F5344CB8AC3E}">
-        <p14:creationId xmlns:p14="http://schemas.microsoft.com/office/powerpoint/2010/main" val="4081755657"/>
+        <p14:creationId xmlns:p14="http://schemas.microsoft.com/office/powerpoint/2010/main" xmlns="" val="4081755657"/>
       </p:ext>
     </p:extLst>
   </p:cSld>
@@ -6253,7 +6679,7 @@
 </p:sld>
 </file>
 
-<file path=ppt/slides/slide3.xml><?xml version="1.0" encoding="utf-8"?>
+<file path=ppt/slides/slide4.xml><?xml version="1.0" encoding="utf-8"?>
 <p:sld xmlns:a="http://schemas.openxmlformats.org/drawingml/2006/main" xmlns:r="http://schemas.openxmlformats.org/officeDocument/2006/relationships" xmlns:p="http://schemas.openxmlformats.org/presentationml/2006/main">
   <p:cSld>
     <p:spTree>
@@ -7095,7 +7521,7 @@
               <a:blip r:embed="rId2" cstate="print">
                 <a:extLst>
                   <a:ext uri="{28A0092B-C50C-407E-A947-70E740481C1C}">
-                    <a14:useLocalDpi xmlns:a14="http://schemas.microsoft.com/office/drawing/2010/main" val="0"/>
+                    <a14:useLocalDpi xmlns:a14="http://schemas.microsoft.com/office/drawing/2010/main" xmlns="" val="0"/>
                   </a:ext>
                 </a:extLst>
               </a:blip>
@@ -8871,7 +9297,7 @@
     </p:spTree>
     <p:extLst>
       <p:ext uri="{BB962C8B-B14F-4D97-AF65-F5344CB8AC3E}">
-        <p14:creationId xmlns:p14="http://schemas.microsoft.com/office/powerpoint/2010/main" val="2894375357"/>
+        <p14:creationId xmlns:p14="http://schemas.microsoft.com/office/powerpoint/2010/main" xmlns="" val="2894375357"/>
       </p:ext>
     </p:extLst>
   </p:cSld>
@@ -8888,7 +9314,7 @@
 </p:sld>
 </file>
 
-<file path=ppt/slides/slide4.xml><?xml version="1.0" encoding="utf-8"?>
+<file path=ppt/slides/slide5.xml><?xml version="1.0" encoding="utf-8"?>
 <p:sld xmlns:a="http://schemas.openxmlformats.org/drawingml/2006/main" xmlns:r="http://schemas.openxmlformats.org/officeDocument/2006/relationships" xmlns:p="http://schemas.openxmlformats.org/presentationml/2006/main">
   <p:cSld>
     <p:spTree>
@@ -11638,7 +12064,7 @@
     </p:spTree>
     <p:extLst>
       <p:ext uri="{BB962C8B-B14F-4D97-AF65-F5344CB8AC3E}">
-        <p14:creationId xmlns:p14="http://schemas.microsoft.com/office/powerpoint/2010/main" val="3422506033"/>
+        <p14:creationId xmlns:p14="http://schemas.microsoft.com/office/powerpoint/2010/main" xmlns="" val="3422506033"/>
       </p:ext>
     </p:extLst>
   </p:cSld>
@@ -11655,7 +12081,7 @@
 </p:sld>
 </file>
 
-<file path=ppt/slides/slide5.xml><?xml version="1.0" encoding="utf-8"?>
+<file path=ppt/slides/slide6.xml><?xml version="1.0" encoding="utf-8"?>
 <p:sld xmlns:a="http://schemas.openxmlformats.org/drawingml/2006/main" xmlns:r="http://schemas.openxmlformats.org/officeDocument/2006/relationships" xmlns:p="http://schemas.openxmlformats.org/presentationml/2006/main">
   <p:cSld>
     <p:spTree>
@@ -14464,7 +14890,7 @@
                       <a:schemeClr val="tx1"/>
                     </a:solidFill>
                   </a:rPr>
-                  <a:t>dev</a:t>
+                  <a:t>stg</a:t>
                 </a:r>
                 <a:r>
                   <a:rPr lang="en-US" altLang="ko-KR" sz="800" dirty="0" smtClean="0">
@@ -14762,7 +15188,7 @@
                       <a:schemeClr val="tx1"/>
                     </a:solidFill>
                   </a:rPr>
-                  <a:t>dev-ccm-publish-ext-was1-by-rsync</a:t>
+                  <a:t>stg-ccm-publish-ext-was1-by-rsync</a:t>
                 </a:r>
                 <a:endParaRPr lang="ko-KR" altLang="en-US" sz="800" dirty="0">
                   <a:solidFill>
@@ -14813,7 +15239,7 @@
                       <a:schemeClr val="tx1"/>
                     </a:solidFill>
                   </a:rPr>
-                  <a:t>dev-ccm-publish-ext-web1-by-rsync</a:t>
+                  <a:t>stg-ccm-publish-ext-web1-by-rsync</a:t>
                 </a:r>
                 <a:endParaRPr lang="ko-KR" altLang="en-US" sz="800" dirty="0">
                   <a:solidFill>
@@ -14864,7 +15290,7 @@
                       <a:schemeClr val="tx1"/>
                     </a:solidFill>
                   </a:rPr>
-                  <a:t>dev-ccm-publish-int-was1-by-rsync</a:t>
+                  <a:t>stg-ccm-publish-int-was1-by-rsync</a:t>
                 </a:r>
                 <a:endParaRPr lang="ko-KR" altLang="en-US" sz="800" dirty="0">
                   <a:solidFill>
@@ -14915,7 +15341,7 @@
                       <a:schemeClr val="tx1"/>
                     </a:solidFill>
                   </a:rPr>
-                  <a:t>dev-ccm-publish-int-web1-by-rsync</a:t>
+                  <a:t>stg-ccm-publish-int-web1-by-rsync</a:t>
                 </a:r>
                 <a:endParaRPr lang="ko-KR" altLang="en-US" sz="800" dirty="0">
                   <a:solidFill>
@@ -15001,7 +15427,7 @@
                       <a:schemeClr val="tx1"/>
                     </a:solidFill>
                   </a:rPr>
-                  <a:t>dev</a:t>
+                  <a:t>stg</a:t>
                 </a:r>
                 <a:r>
                   <a:rPr lang="en-US" altLang="ko-KR" sz="800" dirty="0" smtClean="0">
@@ -15112,7 +15538,7 @@
                       <a:schemeClr val="tx1"/>
                     </a:solidFill>
                   </a:rPr>
-                  <a:t>dev</a:t>
+                  <a:t>stg</a:t>
                 </a:r>
                 <a:r>
                   <a:rPr lang="en-US" altLang="ko-KR" sz="800" dirty="0" smtClean="0">
@@ -15386,7 +15812,7 @@
                       <a:schemeClr val="tx1"/>
                     </a:solidFill>
                   </a:rPr>
-                  <a:t>dev-ccm-publish-ext-web1-by-rsync</a:t>
+                  <a:t>stg-ccm-publish-ext-web1-by-rsync</a:t>
                 </a:r>
                 <a:endParaRPr lang="ko-KR" altLang="en-US" sz="800" dirty="0">
                   <a:solidFill>
@@ -15437,7 +15863,7 @@
                       <a:schemeClr val="tx1"/>
                     </a:solidFill>
                   </a:rPr>
-                  <a:t>dev-ccm-publish-int-was1-by-rsync</a:t>
+                  <a:t>stg-ccm-publish-int-was1-by-rsync</a:t>
                 </a:r>
                 <a:endParaRPr lang="ko-KR" altLang="en-US" sz="800" dirty="0">
                   <a:solidFill>
@@ -15523,7 +15949,7 @@
                       <a:schemeClr val="tx1"/>
                     </a:solidFill>
                   </a:rPr>
-                  <a:t>dev</a:t>
+                  <a:t>stg</a:t>
                 </a:r>
                 <a:r>
                   <a:rPr lang="en-US" altLang="ko-KR" sz="800" dirty="0" smtClean="0">
@@ -15634,7 +16060,7 @@
                       <a:schemeClr val="tx1"/>
                     </a:solidFill>
                   </a:rPr>
-                  <a:t>dev</a:t>
+                  <a:t>stg</a:t>
                 </a:r>
                 <a:r>
                   <a:rPr lang="en-US" altLang="ko-KR" sz="800" dirty="0" smtClean="0">
@@ -15870,7 +16296,7 @@
                       <a:schemeClr val="tx1"/>
                     </a:solidFill>
                   </a:rPr>
-                  <a:t>dev-web-xp-publish-ext-web1-by-rsync</a:t>
+                  <a:t>stg-web-xp-publish-ext-web1-by-rsync</a:t>
                 </a:r>
                 <a:endParaRPr lang="ko-KR" altLang="en-US" sz="800" dirty="0">
                   <a:solidFill>
@@ -15921,7 +16347,7 @@
                       <a:schemeClr val="tx1"/>
                     </a:solidFill>
                   </a:rPr>
-                  <a:t>dev-web-xp-publish-int-web1-by-rsync</a:t>
+                  <a:t>stg-web-xp-publish-int-web1-by-rsync</a:t>
                 </a:r>
                 <a:endParaRPr lang="ko-KR" altLang="en-US" sz="800" dirty="0">
                   <a:solidFill>
@@ -16007,7 +16433,7 @@
                       <a:schemeClr val="tx1"/>
                     </a:solidFill>
                   </a:rPr>
-                  <a:t>dev</a:t>
+                  <a:t>stg</a:t>
                 </a:r>
                 <a:r>
                   <a:rPr lang="en-US" altLang="ko-KR" sz="800" dirty="0" smtClean="0">
@@ -16118,7 +16544,7 @@
                       <a:schemeClr val="tx1"/>
                     </a:solidFill>
                   </a:rPr>
-                  <a:t>dev</a:t>
+                  <a:t>stg</a:t>
                 </a:r>
                 <a:r>
                   <a:rPr lang="en-US" altLang="ko-KR" sz="800" dirty="0" smtClean="0">
@@ -16317,7 +16743,7 @@
                       <a:schemeClr val="tx1"/>
                     </a:solidFill>
                   </a:rPr>
-                  <a:t>dev-web-rd-publish-int-was1-by-rsync</a:t>
+                  <a:t>stg-web-rd-publish-int-was1-by-rsync</a:t>
                 </a:r>
                 <a:endParaRPr lang="ko-KR" altLang="en-US" sz="800" dirty="0">
                   <a:solidFill>
@@ -16404,7 +16830,7 @@
                       <a:schemeClr val="tx1"/>
                     </a:solidFill>
                   </a:rPr>
-                  <a:t>dev</a:t>
+                  <a:t>stg</a:t>
                 </a:r>
                 <a:r>
                   <a:rPr lang="en-US" altLang="ko-KR" sz="800" dirty="0" smtClean="0">
@@ -16412,23 +16838,7 @@
                       <a:schemeClr val="tx1"/>
                     </a:solidFill>
                   </a:rPr>
-                  <a:t>-web-</a:t>
-                </a:r>
-                <a:r>
-                  <a:rPr lang="en-US" altLang="ko-KR" sz="800" dirty="0" err="1" smtClean="0">
-                    <a:solidFill>
-                      <a:schemeClr val="tx1"/>
-                    </a:solidFill>
-                  </a:rPr>
-                  <a:t>rd</a:t>
-                </a:r>
-                <a:r>
-                  <a:rPr lang="en-US" altLang="ko-KR" sz="800" dirty="0" smtClean="0">
-                    <a:solidFill>
-                      <a:schemeClr val="tx1"/>
-                    </a:solidFill>
-                  </a:rPr>
-                  <a:t>-publish</a:t>
+                  <a:t>-web-rd-publish</a:t>
                 </a:r>
                 <a:endParaRPr lang="ko-KR" altLang="en-US" sz="800" dirty="0">
                   <a:solidFill>
@@ -16515,7 +16925,7 @@
                       <a:schemeClr val="tx1"/>
                     </a:solidFill>
                   </a:rPr>
-                  <a:t>dev</a:t>
+                  <a:t>stg</a:t>
                 </a:r>
                 <a:r>
                   <a:rPr lang="en-US" altLang="ko-KR" sz="800" dirty="0" smtClean="0">
@@ -16523,23 +16933,7 @@
                       <a:schemeClr val="tx1"/>
                     </a:solidFill>
                   </a:rPr>
-                  <a:t>-web-</a:t>
-                </a:r>
-                <a:r>
-                  <a:rPr lang="en-US" altLang="ko-KR" sz="800" dirty="0" err="1" smtClean="0">
-                    <a:solidFill>
-                      <a:schemeClr val="tx1"/>
-                    </a:solidFill>
-                  </a:rPr>
-                  <a:t>rd</a:t>
-                </a:r>
-                <a:r>
-                  <a:rPr lang="en-US" altLang="ko-KR" sz="800" dirty="0" smtClean="0">
-                    <a:solidFill>
-                      <a:schemeClr val="tx1"/>
-                    </a:solidFill>
-                  </a:rPr>
-                  <a:t>-prepare</a:t>
+                  <a:t>-web-rd-prepare</a:t>
                 </a:r>
                 <a:endParaRPr lang="ko-KR" altLang="en-US" sz="800" dirty="0">
                   <a:solidFill>
@@ -16677,7 +17071,15 @@
                       <a:schemeClr val="tx1"/>
                     </a:solidFill>
                   </a:rPr>
-                  <a:t>dev-web-common-publish-int-was1-by-rsync</a:t>
+                  <a:t>stg</a:t>
+                </a:r>
+                <a:r>
+                  <a:rPr lang="en-US" altLang="ko-KR" sz="800" dirty="0" smtClean="0">
+                    <a:solidFill>
+                      <a:schemeClr val="tx1"/>
+                    </a:solidFill>
+                  </a:rPr>
+                  <a:t>-web-common-publish-int-was1-by-rsync</a:t>
                 </a:r>
                 <a:endParaRPr lang="ko-KR" altLang="en-US" sz="800" dirty="0">
                   <a:solidFill>
@@ -16764,7 +17166,7 @@
                       <a:schemeClr val="tx1"/>
                     </a:solidFill>
                   </a:rPr>
-                  <a:t>dev</a:t>
+                  <a:t>stg</a:t>
                 </a:r>
                 <a:r>
                   <a:rPr lang="en-US" altLang="ko-KR" sz="800" dirty="0" smtClean="0">
@@ -16859,7 +17261,7 @@
                       <a:schemeClr val="tx1"/>
                     </a:solidFill>
                   </a:rPr>
-                  <a:t>dev</a:t>
+                  <a:t>stg</a:t>
                 </a:r>
                 <a:r>
                   <a:rPr lang="en-US" altLang="ko-KR" sz="800" dirty="0" smtClean="0">
@@ -16991,7 +17393,7 @@
                     <a:schemeClr val="tx1"/>
                   </a:solidFill>
                 </a:rPr>
-                <a:t>dev</a:t>
+                <a:t>stg</a:t>
               </a:r>
               <a:r>
                 <a:rPr lang="en-US" altLang="ko-KR" sz="800" dirty="0" smtClean="0">
@@ -17511,7 +17913,7 @@
     </p:spTree>
     <p:extLst>
       <p:ext uri="{BB962C8B-B14F-4D97-AF65-F5344CB8AC3E}">
-        <p14:creationId xmlns:p14="http://schemas.microsoft.com/office/powerpoint/2010/main" val="2360859232"/>
+        <p14:creationId xmlns:p14="http://schemas.microsoft.com/office/powerpoint/2010/main" xmlns="" val="2360859232"/>
       </p:ext>
     </p:extLst>
   </p:cSld>
@@ -17528,7 +17930,7 @@
 </p:sld>
 </file>
 
-<file path=ppt/slides/slide6.xml><?xml version="1.0" encoding="utf-8"?>
+<file path=ppt/slides/slide7.xml><?xml version="1.0" encoding="utf-8"?>
 <p:sld xmlns:a="http://schemas.openxmlformats.org/drawingml/2006/main" xmlns:r="http://schemas.openxmlformats.org/officeDocument/2006/relationships" xmlns:p="http://schemas.openxmlformats.org/presentationml/2006/main">
   <p:cSld>
     <p:spTree>
@@ -20337,7 +20739,7 @@
                       <a:schemeClr val="tx1"/>
                     </a:solidFill>
                   </a:rPr>
-                  <a:t>dev</a:t>
+                  <a:t>stg</a:t>
                 </a:r>
                 <a:r>
                   <a:rPr lang="en-US" altLang="ko-KR" sz="800" dirty="0" smtClean="0">
@@ -20635,7 +21037,7 @@
                       <a:schemeClr val="tx1"/>
                     </a:solidFill>
                   </a:rPr>
-                  <a:t>dev-ccm-publish-ext-was1-by-rsync</a:t>
+                  <a:t>stg-ccm-publish-ext-was1-by-rsync</a:t>
                 </a:r>
                 <a:endParaRPr lang="ko-KR" altLang="en-US" sz="800" dirty="0">
                   <a:solidFill>
@@ -20686,7 +21088,7 @@
                       <a:schemeClr val="tx1"/>
                     </a:solidFill>
                   </a:rPr>
-                  <a:t>dev-ccm-publish-ext-web1-by-rsync</a:t>
+                  <a:t>stg-ccm-publish-ext-web1-by-rsync</a:t>
                 </a:r>
                 <a:endParaRPr lang="ko-KR" altLang="en-US" sz="800" dirty="0">
                   <a:solidFill>
@@ -20737,7 +21139,7 @@
                       <a:schemeClr val="tx1"/>
                     </a:solidFill>
                   </a:rPr>
-                  <a:t>dev-ccm-publish-int-was1-by-rsync</a:t>
+                  <a:t>stg-ccm-publish-int-was1-by-rsync</a:t>
                 </a:r>
                 <a:endParaRPr lang="ko-KR" altLang="en-US" sz="800" dirty="0">
                   <a:solidFill>
@@ -20788,7 +21190,7 @@
                       <a:schemeClr val="tx1"/>
                     </a:solidFill>
                   </a:rPr>
-                  <a:t>dev-ccm-publish-int-web1-by-rsync</a:t>
+                  <a:t>stg-ccm-publish-int-web1-by-rsync</a:t>
                 </a:r>
                 <a:endParaRPr lang="ko-KR" altLang="en-US" sz="800" dirty="0">
                   <a:solidFill>
@@ -20874,7 +21276,7 @@
                       <a:schemeClr val="tx1"/>
                     </a:solidFill>
                   </a:rPr>
-                  <a:t>dev</a:t>
+                  <a:t>stg</a:t>
                 </a:r>
                 <a:r>
                   <a:rPr lang="en-US" altLang="ko-KR" sz="800" dirty="0" smtClean="0">
@@ -20985,7 +21387,7 @@
                       <a:schemeClr val="tx1"/>
                     </a:solidFill>
                   </a:rPr>
-                  <a:t>dev</a:t>
+                  <a:t>stg</a:t>
                 </a:r>
                 <a:r>
                   <a:rPr lang="en-US" altLang="ko-KR" sz="800" dirty="0" smtClean="0">
@@ -21259,7 +21661,7 @@
                       <a:schemeClr val="tx1"/>
                     </a:solidFill>
                   </a:rPr>
-                  <a:t>dev-ccm-publish-ext-web1-by-rsync</a:t>
+                  <a:t>stg-ccm-publish-ext-web1-by-rsync</a:t>
                 </a:r>
                 <a:endParaRPr lang="ko-KR" altLang="en-US" sz="800" dirty="0">
                   <a:solidFill>
@@ -21310,7 +21712,7 @@
                       <a:schemeClr val="tx1"/>
                     </a:solidFill>
                   </a:rPr>
-                  <a:t>dev-ccm-publish-int-was1-by-rsync</a:t>
+                  <a:t>stg-ccm-publish-int-was1-by-rsync</a:t>
                 </a:r>
                 <a:endParaRPr lang="ko-KR" altLang="en-US" sz="800" dirty="0">
                   <a:solidFill>
@@ -21396,7 +21798,7 @@
                       <a:schemeClr val="tx1"/>
                     </a:solidFill>
                   </a:rPr>
-                  <a:t>dev</a:t>
+                  <a:t>stg</a:t>
                 </a:r>
                 <a:r>
                   <a:rPr lang="en-US" altLang="ko-KR" sz="800" dirty="0" smtClean="0">
@@ -21507,7 +21909,7 @@
                       <a:schemeClr val="tx1"/>
                     </a:solidFill>
                   </a:rPr>
-                  <a:t>dev</a:t>
+                  <a:t>stg</a:t>
                 </a:r>
                 <a:r>
                   <a:rPr lang="en-US" altLang="ko-KR" sz="800" dirty="0" smtClean="0">
@@ -21743,7 +22145,7 @@
                       <a:schemeClr val="tx1"/>
                     </a:solidFill>
                   </a:rPr>
-                  <a:t>dev-web-xp-publish-ext-web1-by-rsync</a:t>
+                  <a:t>stg-web-xp-publish-ext-web1-by-rsync</a:t>
                 </a:r>
                 <a:endParaRPr lang="ko-KR" altLang="en-US" sz="800" dirty="0">
                   <a:solidFill>
@@ -21794,7 +22196,7 @@
                       <a:schemeClr val="tx1"/>
                     </a:solidFill>
                   </a:rPr>
-                  <a:t>dev-web-xp-publish-int-web1-by-rsync</a:t>
+                  <a:t>stg-web-xp-publish-int-web1-by-rsync</a:t>
                 </a:r>
                 <a:endParaRPr lang="ko-KR" altLang="en-US" sz="800" dirty="0">
                   <a:solidFill>
@@ -21880,7 +22282,7 @@
                       <a:schemeClr val="tx1"/>
                     </a:solidFill>
                   </a:rPr>
-                  <a:t>dev</a:t>
+                  <a:t>stg</a:t>
                 </a:r>
                 <a:r>
                   <a:rPr lang="en-US" altLang="ko-KR" sz="800" dirty="0" smtClean="0">
@@ -21991,7 +22393,7 @@
                       <a:schemeClr val="tx1"/>
                     </a:solidFill>
                   </a:rPr>
-                  <a:t>dev</a:t>
+                  <a:t>stg</a:t>
                 </a:r>
                 <a:r>
                   <a:rPr lang="en-US" altLang="ko-KR" sz="800" dirty="0" smtClean="0">
@@ -22190,7 +22592,7 @@
                       <a:schemeClr val="tx1"/>
                     </a:solidFill>
                   </a:rPr>
-                  <a:t>dev-web-rd-publish-int-was1-by-rsync</a:t>
+                  <a:t>stg-web-rd-publish-int-was1-by-rsync</a:t>
                 </a:r>
                 <a:endParaRPr lang="ko-KR" altLang="en-US" sz="800" dirty="0">
                   <a:solidFill>
@@ -22277,7 +22679,7 @@
                       <a:schemeClr val="tx1"/>
                     </a:solidFill>
                   </a:rPr>
-                  <a:t>dev</a:t>
+                  <a:t>stg</a:t>
                 </a:r>
                 <a:r>
                   <a:rPr lang="en-US" altLang="ko-KR" sz="800" dirty="0" smtClean="0">
@@ -22285,23 +22687,7 @@
                       <a:schemeClr val="tx1"/>
                     </a:solidFill>
                   </a:rPr>
-                  <a:t>-web-</a:t>
-                </a:r>
-                <a:r>
-                  <a:rPr lang="en-US" altLang="ko-KR" sz="800" dirty="0" err="1" smtClean="0">
-                    <a:solidFill>
-                      <a:schemeClr val="tx1"/>
-                    </a:solidFill>
-                  </a:rPr>
-                  <a:t>rd</a:t>
-                </a:r>
-                <a:r>
-                  <a:rPr lang="en-US" altLang="ko-KR" sz="800" dirty="0" smtClean="0">
-                    <a:solidFill>
-                      <a:schemeClr val="tx1"/>
-                    </a:solidFill>
-                  </a:rPr>
-                  <a:t>-publish</a:t>
+                  <a:t>-web-rd-publish</a:t>
                 </a:r>
                 <a:endParaRPr lang="ko-KR" altLang="en-US" sz="800" dirty="0">
                   <a:solidFill>
@@ -22388,7 +22774,7 @@
                       <a:schemeClr val="tx1"/>
                     </a:solidFill>
                   </a:rPr>
-                  <a:t>dev</a:t>
+                  <a:t>stg</a:t>
                 </a:r>
                 <a:r>
                   <a:rPr lang="en-US" altLang="ko-KR" sz="800" dirty="0" smtClean="0">
@@ -22396,23 +22782,7 @@
                       <a:schemeClr val="tx1"/>
                     </a:solidFill>
                   </a:rPr>
-                  <a:t>-web-</a:t>
-                </a:r>
-                <a:r>
-                  <a:rPr lang="en-US" altLang="ko-KR" sz="800" dirty="0" err="1" smtClean="0">
-                    <a:solidFill>
-                      <a:schemeClr val="tx1"/>
-                    </a:solidFill>
-                  </a:rPr>
-                  <a:t>rd</a:t>
-                </a:r>
-                <a:r>
-                  <a:rPr lang="en-US" altLang="ko-KR" sz="800" dirty="0" smtClean="0">
-                    <a:solidFill>
-                      <a:schemeClr val="tx1"/>
-                    </a:solidFill>
-                  </a:rPr>
-                  <a:t>-prepare</a:t>
+                  <a:t>-web-rd-prepare</a:t>
                 </a:r>
                 <a:endParaRPr lang="ko-KR" altLang="en-US" sz="800" dirty="0">
                   <a:solidFill>
@@ -22550,7 +22920,7 @@
                       <a:schemeClr val="tx1"/>
                     </a:solidFill>
                   </a:rPr>
-                  <a:t>dev-web-common-publish-int-was1-by-rsync</a:t>
+                  <a:t>stg-web-common-publish-int-was1-by-rsync</a:t>
                 </a:r>
                 <a:endParaRPr lang="ko-KR" altLang="en-US" sz="800" dirty="0">
                   <a:solidFill>
@@ -22637,7 +23007,7 @@
                       <a:schemeClr val="tx1"/>
                     </a:solidFill>
                   </a:rPr>
-                  <a:t>dev</a:t>
+                  <a:t>stg</a:t>
                 </a:r>
                 <a:r>
                   <a:rPr lang="en-US" altLang="ko-KR" sz="800" dirty="0" smtClean="0">
@@ -22732,7 +23102,7 @@
                       <a:schemeClr val="tx1"/>
                     </a:solidFill>
                   </a:rPr>
-                  <a:t>dev</a:t>
+                  <a:t>stg</a:t>
                 </a:r>
                 <a:r>
                   <a:rPr lang="en-US" altLang="ko-KR" sz="800" dirty="0" smtClean="0">
@@ -22864,7 +23234,7 @@
                     <a:schemeClr val="tx1"/>
                   </a:solidFill>
                 </a:rPr>
-                <a:t>dev</a:t>
+                <a:t>stg</a:t>
               </a:r>
               <a:r>
                 <a:rPr lang="en-US" altLang="ko-KR" sz="800" dirty="0" smtClean="0">
@@ -23229,7 +23599,7 @@
                       <a:schemeClr val="tx1"/>
                     </a:solidFill>
                   </a:rPr>
-                  <a:t>dev</a:t>
+                  <a:t>prd</a:t>
                 </a:r>
                 <a:r>
                   <a:rPr lang="en-US" altLang="ko-KR" sz="800" dirty="0" smtClean="0">
@@ -23527,7 +23897,7 @@
                       <a:schemeClr val="tx1"/>
                     </a:solidFill>
                   </a:rPr>
-                  <a:t>dev-ccm-publish-ext-was1-by-rsync</a:t>
+                  <a:t>prd-ccm-publish-ext-was1-by-rsync</a:t>
                 </a:r>
                 <a:endParaRPr lang="ko-KR" altLang="en-US" sz="800" dirty="0">
                   <a:solidFill>
@@ -23578,7 +23948,7 @@
                       <a:schemeClr val="tx1"/>
                     </a:solidFill>
                   </a:rPr>
-                  <a:t>dev-ccm-publish-ext-web1-by-rsync</a:t>
+                  <a:t>prd-ccm-publish-ext-web1-by-rsync</a:t>
                 </a:r>
                 <a:endParaRPr lang="ko-KR" altLang="en-US" sz="800" dirty="0">
                   <a:solidFill>
@@ -23629,7 +23999,7 @@
                       <a:schemeClr val="tx1"/>
                     </a:solidFill>
                   </a:rPr>
-                  <a:t>dev-ccm-publish-int-was1-by-rsync</a:t>
+                  <a:t>prd-ccm-publish-int-was1-by-rsync</a:t>
                 </a:r>
                 <a:endParaRPr lang="ko-KR" altLang="en-US" sz="800" dirty="0">
                   <a:solidFill>
@@ -23680,7 +24050,7 @@
                       <a:schemeClr val="tx1"/>
                     </a:solidFill>
                   </a:rPr>
-                  <a:t>dev-ccm-publish-int-web1-by-rsync</a:t>
+                  <a:t>prd-ccm-publish-int-web1-by-rsync</a:t>
                 </a:r>
                 <a:endParaRPr lang="ko-KR" altLang="en-US" sz="800" dirty="0">
                   <a:solidFill>
@@ -23766,7 +24136,7 @@
                       <a:schemeClr val="tx1"/>
                     </a:solidFill>
                   </a:rPr>
-                  <a:t>dev</a:t>
+                  <a:t>prd</a:t>
                 </a:r>
                 <a:r>
                   <a:rPr lang="en-US" altLang="ko-KR" sz="800" dirty="0" smtClean="0">
@@ -23877,7 +24247,7 @@
                       <a:schemeClr val="tx1"/>
                     </a:solidFill>
                   </a:rPr>
-                  <a:t>dev</a:t>
+                  <a:t>prd</a:t>
                 </a:r>
                 <a:r>
                   <a:rPr lang="en-US" altLang="ko-KR" sz="800" dirty="0" smtClean="0">
@@ -24151,7 +24521,7 @@
                       <a:schemeClr val="tx1"/>
                     </a:solidFill>
                   </a:rPr>
-                  <a:t>dev-ccm-publish-ext-web1-by-rsync</a:t>
+                  <a:t>prd-ccm-publish-ext-web1-by-rsync</a:t>
                 </a:r>
                 <a:endParaRPr lang="ko-KR" altLang="en-US" sz="800" dirty="0">
                   <a:solidFill>
@@ -24202,7 +24572,7 @@
                       <a:schemeClr val="tx1"/>
                     </a:solidFill>
                   </a:rPr>
-                  <a:t>dev-ccm-publish-int-was1-by-rsync</a:t>
+                  <a:t>prd-ccm-publish-int-was1-by-rsync</a:t>
                 </a:r>
                 <a:endParaRPr lang="ko-KR" altLang="en-US" sz="800" dirty="0">
                   <a:solidFill>
@@ -24288,7 +24658,7 @@
                       <a:schemeClr val="tx1"/>
                     </a:solidFill>
                   </a:rPr>
-                  <a:t>dev</a:t>
+                  <a:t>prd</a:t>
                 </a:r>
                 <a:r>
                   <a:rPr lang="en-US" altLang="ko-KR" sz="800" dirty="0" smtClean="0">
@@ -24399,7 +24769,7 @@
                       <a:schemeClr val="tx1"/>
                     </a:solidFill>
                   </a:rPr>
-                  <a:t>dev</a:t>
+                  <a:t>prd</a:t>
                 </a:r>
                 <a:r>
                   <a:rPr lang="en-US" altLang="ko-KR" sz="800" dirty="0" smtClean="0">
@@ -24635,7 +25005,7 @@
                       <a:schemeClr val="tx1"/>
                     </a:solidFill>
                   </a:rPr>
-                  <a:t>dev-web-xp-publish-ext-web1-by-rsync</a:t>
+                  <a:t>prd-web-xp-publish-ext-web1-by-rsync</a:t>
                 </a:r>
                 <a:endParaRPr lang="ko-KR" altLang="en-US" sz="800" dirty="0">
                   <a:solidFill>
@@ -24686,7 +25056,7 @@
                       <a:schemeClr val="tx1"/>
                     </a:solidFill>
                   </a:rPr>
-                  <a:t>dev-web-xp-publish-int-web1-by-rsync</a:t>
+                  <a:t>prd-web-xp-publish-int-web1-by-rsync</a:t>
                 </a:r>
                 <a:endParaRPr lang="ko-KR" altLang="en-US" sz="800" dirty="0">
                   <a:solidFill>
@@ -24772,7 +25142,7 @@
                       <a:schemeClr val="tx1"/>
                     </a:solidFill>
                   </a:rPr>
-                  <a:t>dev</a:t>
+                  <a:t>prd</a:t>
                 </a:r>
                 <a:r>
                   <a:rPr lang="en-US" altLang="ko-KR" sz="800" dirty="0" smtClean="0">
@@ -24883,7 +25253,7 @@
                       <a:schemeClr val="tx1"/>
                     </a:solidFill>
                   </a:rPr>
-                  <a:t>dev</a:t>
+                  <a:t>prd</a:t>
                 </a:r>
                 <a:r>
                   <a:rPr lang="en-US" altLang="ko-KR" sz="800" dirty="0" smtClean="0">
@@ -25082,7 +25452,7 @@
                       <a:schemeClr val="tx1"/>
                     </a:solidFill>
                   </a:rPr>
-                  <a:t>dev-web-rd-publish-int-was1-by-rsync</a:t>
+                  <a:t>prd-web-rd-publish-int-was1-by-rsync</a:t>
                 </a:r>
                 <a:endParaRPr lang="ko-KR" altLang="en-US" sz="800" dirty="0">
                   <a:solidFill>
@@ -25169,7 +25539,7 @@
                       <a:schemeClr val="tx1"/>
                     </a:solidFill>
                   </a:rPr>
-                  <a:t>dev</a:t>
+                  <a:t>prd</a:t>
                 </a:r>
                 <a:r>
                   <a:rPr lang="en-US" altLang="ko-KR" sz="800" dirty="0" smtClean="0">
@@ -25177,23 +25547,7 @@
                       <a:schemeClr val="tx1"/>
                     </a:solidFill>
                   </a:rPr>
-                  <a:t>-web-</a:t>
-                </a:r>
-                <a:r>
-                  <a:rPr lang="en-US" altLang="ko-KR" sz="800" dirty="0" err="1" smtClean="0">
-                    <a:solidFill>
-                      <a:schemeClr val="tx1"/>
-                    </a:solidFill>
-                  </a:rPr>
-                  <a:t>rd</a:t>
-                </a:r>
-                <a:r>
-                  <a:rPr lang="en-US" altLang="ko-KR" sz="800" dirty="0" smtClean="0">
-                    <a:solidFill>
-                      <a:schemeClr val="tx1"/>
-                    </a:solidFill>
-                  </a:rPr>
-                  <a:t>-publish</a:t>
+                  <a:t>-web-rd-publish</a:t>
                 </a:r>
                 <a:endParaRPr lang="ko-KR" altLang="en-US" sz="800" dirty="0">
                   <a:solidFill>
@@ -25280,7 +25634,7 @@
                       <a:schemeClr val="tx1"/>
                     </a:solidFill>
                   </a:rPr>
-                  <a:t>dev</a:t>
+                  <a:t>prd</a:t>
                 </a:r>
                 <a:r>
                   <a:rPr lang="en-US" altLang="ko-KR" sz="800" dirty="0" smtClean="0">
@@ -25288,23 +25642,7 @@
                       <a:schemeClr val="tx1"/>
                     </a:solidFill>
                   </a:rPr>
-                  <a:t>-web-</a:t>
-                </a:r>
-                <a:r>
-                  <a:rPr lang="en-US" altLang="ko-KR" sz="800" dirty="0" err="1" smtClean="0">
-                    <a:solidFill>
-                      <a:schemeClr val="tx1"/>
-                    </a:solidFill>
-                  </a:rPr>
-                  <a:t>rd</a:t>
-                </a:r>
-                <a:r>
-                  <a:rPr lang="en-US" altLang="ko-KR" sz="800" dirty="0" smtClean="0">
-                    <a:solidFill>
-                      <a:schemeClr val="tx1"/>
-                    </a:solidFill>
-                  </a:rPr>
-                  <a:t>-prepare</a:t>
+                  <a:t>-web-rd-prepare</a:t>
                 </a:r>
                 <a:endParaRPr lang="ko-KR" altLang="en-US" sz="800" dirty="0">
                   <a:solidFill>
@@ -25442,7 +25780,7 @@
                       <a:schemeClr val="tx1"/>
                     </a:solidFill>
                   </a:rPr>
-                  <a:t>dev-web-common-publish-int-was1-by-rsync</a:t>
+                  <a:t>prd-web-common-publish-int-was1-by-rsync</a:t>
                 </a:r>
                 <a:endParaRPr lang="ko-KR" altLang="en-US" sz="800" dirty="0">
                   <a:solidFill>
@@ -25529,7 +25867,7 @@
                       <a:schemeClr val="tx1"/>
                     </a:solidFill>
                   </a:rPr>
-                  <a:t>dev</a:t>
+                  <a:t>prd</a:t>
                 </a:r>
                 <a:r>
                   <a:rPr lang="en-US" altLang="ko-KR" sz="800" dirty="0" smtClean="0">
@@ -25624,7 +25962,7 @@
                       <a:schemeClr val="tx1"/>
                     </a:solidFill>
                   </a:rPr>
-                  <a:t>dev</a:t>
+                  <a:t>prd</a:t>
                 </a:r>
                 <a:r>
                   <a:rPr lang="en-US" altLang="ko-KR" sz="800" dirty="0" smtClean="0">
@@ -25756,7 +26094,7 @@
                     <a:schemeClr val="tx1"/>
                   </a:solidFill>
                 </a:rPr>
-                <a:t>dev</a:t>
+                <a:t>prd</a:t>
               </a:r>
               <a:r>
                 <a:rPr lang="en-US" altLang="ko-KR" sz="800" dirty="0" smtClean="0">
@@ -26525,7 +26863,7 @@
     </p:spTree>
     <p:extLst>
       <p:ext uri="{BB962C8B-B14F-4D97-AF65-F5344CB8AC3E}">
-        <p14:creationId xmlns:p14="http://schemas.microsoft.com/office/powerpoint/2010/main" val="4242128582"/>
+        <p14:creationId xmlns:p14="http://schemas.microsoft.com/office/powerpoint/2010/main" xmlns="" val="4242128582"/>
       </p:ext>
     </p:extLst>
   </p:cSld>
@@ -26542,7 +26880,7 @@
 </p:sld>
 </file>
 
-<file path=ppt/slides/slide7.xml><?xml version="1.0" encoding="utf-8"?>
+<file path=ppt/slides/slide8.xml><?xml version="1.0" encoding="utf-8"?>
 <p:sld xmlns:a="http://schemas.openxmlformats.org/drawingml/2006/main" xmlns:r="http://schemas.openxmlformats.org/officeDocument/2006/relationships" xmlns:p="http://schemas.openxmlformats.org/presentationml/2006/main">
   <p:cSld>
     <p:spTree>
@@ -26571,7 +26909,7 @@
           <a:blip r:embed="rId2" cstate="print">
             <a:extLst>
               <a:ext uri="{28A0092B-C50C-407E-A947-70E740481C1C}">
-                <a14:useLocalDpi xmlns:a14="http://schemas.microsoft.com/office/drawing/2010/main" val="0"/>
+                <a14:useLocalDpi xmlns:a14="http://schemas.microsoft.com/office/drawing/2010/main" xmlns="" val="0"/>
               </a:ext>
             </a:extLst>
           </a:blip>
@@ -26601,7 +26939,7 @@
           <a:blip r:embed="rId3" cstate="print">
             <a:extLst>
               <a:ext uri="{28A0092B-C50C-407E-A947-70E740481C1C}">
-                <a14:useLocalDpi xmlns:a14="http://schemas.microsoft.com/office/drawing/2010/main" val="0"/>
+                <a14:useLocalDpi xmlns:a14="http://schemas.microsoft.com/office/drawing/2010/main" xmlns="" val="0"/>
               </a:ext>
             </a:extLst>
           </a:blip>
@@ -26631,7 +26969,7 @@
           <a:blip r:embed="rId4" cstate="print">
             <a:extLst>
               <a:ext uri="{28A0092B-C50C-407E-A947-70E740481C1C}">
-                <a14:useLocalDpi xmlns:a14="http://schemas.microsoft.com/office/drawing/2010/main" val="0"/>
+                <a14:useLocalDpi xmlns:a14="http://schemas.microsoft.com/office/drawing/2010/main" xmlns="" val="0"/>
               </a:ext>
             </a:extLst>
           </a:blip>
@@ -26661,7 +26999,7 @@
           <a:blip r:embed="rId5" cstate="print">
             <a:extLst>
               <a:ext uri="{28A0092B-C50C-407E-A947-70E740481C1C}">
-                <a14:useLocalDpi xmlns:a14="http://schemas.microsoft.com/office/drawing/2010/main" val="0"/>
+                <a14:useLocalDpi xmlns:a14="http://schemas.microsoft.com/office/drawing/2010/main" xmlns="" val="0"/>
               </a:ext>
             </a:extLst>
           </a:blip>
@@ -26682,7 +27020,7 @@
     </p:spTree>
     <p:extLst>
       <p:ext uri="{BB962C8B-B14F-4D97-AF65-F5344CB8AC3E}">
-        <p14:creationId xmlns:p14="http://schemas.microsoft.com/office/powerpoint/2010/main" val="3520523119"/>
+        <p14:creationId xmlns:p14="http://schemas.microsoft.com/office/powerpoint/2010/main" xmlns="" val="3520523119"/>
       </p:ext>
     </p:extLst>
   </p:cSld>

--- a/documentation/draft/ci-environment/dependency-diagram(draft).pptx
+++ b/documentation/draft/ci-environment/dependency-diagram(draft).pptx
@@ -5,13 +5,13 @@
     <p:sldMasterId id="2147483648" r:id="rId1"/>
   </p:sldMasterIdLst>
   <p:sldIdLst>
-    <p:sldId id="256" r:id="rId2"/>
-    <p:sldId id="263" r:id="rId3"/>
-    <p:sldId id="261" r:id="rId4"/>
-    <p:sldId id="260" r:id="rId5"/>
-    <p:sldId id="262" r:id="rId6"/>
-    <p:sldId id="258" r:id="rId7"/>
-    <p:sldId id="259" r:id="rId8"/>
+    <p:sldId id="264" r:id="rId2"/>
+    <p:sldId id="265" r:id="rId3"/>
+    <p:sldId id="266" r:id="rId4"/>
+    <p:sldId id="267" r:id="rId5"/>
+    <p:sldId id="268" r:id="rId6"/>
+    <p:sldId id="269" r:id="rId7"/>
+    <p:sldId id="270" r:id="rId8"/>
     <p:sldId id="257" r:id="rId9"/>
   </p:sldIdLst>
   <p:sldSz cx="9144000" cy="6858000" type="screen4x3"/>
@@ -3068,13 +3068,13 @@
       </p:grpSpPr>
       <p:grpSp>
         <p:nvGrpSpPr>
-          <p:cNvPr id="269" name="그룹 268"/>
+          <p:cNvPr id="2" name="그룹 268"/>
           <p:cNvGrpSpPr/>
           <p:nvPr/>
         </p:nvGrpSpPr>
         <p:grpSpPr>
           <a:xfrm>
-            <a:off x="1565840" y="985668"/>
+            <a:off x="1565841" y="985668"/>
             <a:ext cx="4616360" cy="4800688"/>
             <a:chOff x="2692819" y="312768"/>
             <a:chExt cx="4616360" cy="4800688"/>
@@ -3379,7 +3379,7 @@
         </p:nvSpPr>
         <p:spPr>
           <a:xfrm>
-            <a:off x="2724941" y="3741860"/>
+            <a:off x="2724942" y="3741860"/>
             <a:ext cx="1087093" cy="676344"/>
           </a:xfrm>
           <a:prstGeom prst="cube">
@@ -3430,6 +3430,40 @@
           </a:p>
         </p:txBody>
       </p:sp>
+      <p:sp>
+        <p:nvSpPr>
+          <p:cNvPr id="10" name="TextBox 9"/>
+          <p:cNvSpPr txBox="1"/>
+          <p:nvPr/>
+        </p:nvSpPr>
+        <p:spPr>
+          <a:xfrm>
+            <a:off x="251521" y="179348"/>
+            <a:ext cx="1322798" cy="369332"/>
+          </a:xfrm>
+          <a:prstGeom prst="rect">
+            <a:avLst/>
+          </a:prstGeom>
+          <a:noFill/>
+        </p:spPr>
+        <p:txBody>
+          <a:bodyPr wrap="none" rtlCol="0">
+            <a:spAutoFit/>
+          </a:bodyPr>
+          <a:lstStyle/>
+          <a:p>
+            <a:r>
+              <a:rPr lang="en-US" altLang="ko-KR" b="1" dirty="0" smtClean="0"/>
+              <a:t>1</a:t>
+            </a:r>
+            <a:r>
+              <a:rPr lang="ko-KR" altLang="en-US" b="1" dirty="0" smtClean="0"/>
+              <a:t>차원 전개</a:t>
+            </a:r>
+            <a:endParaRPr lang="ko-KR" altLang="en-US" b="1" dirty="0"/>
+          </a:p>
+        </p:txBody>
+      </p:sp>
     </p:spTree>
     <p:extLst>
       <p:ext uri="{BB962C8B-B14F-4D97-AF65-F5344CB8AC3E}">
@@ -3475,7 +3509,7 @@
         </p:nvGrpSpPr>
         <p:grpSpPr>
           <a:xfrm>
-            <a:off x="1565840" y="985668"/>
+            <a:off x="1565841" y="985668"/>
             <a:ext cx="6343677" cy="4800688"/>
             <a:chOff x="2692819" y="312768"/>
             <a:chExt cx="6343677" cy="4800688"/>
@@ -4516,6 +4550,76 @@
           </p:style>
         </p:cxnSp>
       </p:grpSp>
+      <p:sp>
+        <p:nvSpPr>
+          <p:cNvPr id="28" name="TextBox 27"/>
+          <p:cNvSpPr txBox="1"/>
+          <p:nvPr/>
+        </p:nvSpPr>
+        <p:spPr>
+          <a:xfrm>
+            <a:off x="251521" y="179348"/>
+            <a:ext cx="6307368" cy="369332"/>
+          </a:xfrm>
+          <a:prstGeom prst="rect">
+            <a:avLst/>
+          </a:prstGeom>
+          <a:noFill/>
+        </p:spPr>
+        <p:txBody>
+          <a:bodyPr wrap="none" rtlCol="0">
+            <a:spAutoFit/>
+          </a:bodyPr>
+          <a:lstStyle/>
+          <a:p>
+            <a:r>
+              <a:rPr lang="en-US" altLang="ko-KR" b="1" dirty="0" smtClean="0"/>
+              <a:t>2</a:t>
+            </a:r>
+            <a:r>
+              <a:rPr lang="ko-KR" altLang="en-US" b="1" dirty="0" smtClean="0"/>
+              <a:t>차원 전개</a:t>
+            </a:r>
+            <a:r>
+              <a:rPr lang="en-US" altLang="ko-KR" b="1" dirty="0" smtClean="0"/>
+              <a:t>: </a:t>
+            </a:r>
+            <a:r>
+              <a:rPr lang="ko-KR" altLang="en-US" b="1" dirty="0" smtClean="0"/>
+              <a:t>내부</a:t>
+            </a:r>
+            <a:r>
+              <a:rPr lang="en-US" altLang="ko-KR" b="1" dirty="0" smtClean="0"/>
+              <a:t>/</a:t>
+            </a:r>
+            <a:r>
+              <a:rPr lang="ko-KR" altLang="en-US" b="1" dirty="0" smtClean="0"/>
+              <a:t>외부</a:t>
+            </a:r>
+            <a:r>
+              <a:rPr lang="en-US" altLang="ko-KR" b="1" dirty="0" smtClean="0"/>
+              <a:t> </a:t>
+            </a:r>
+            <a:r>
+              <a:rPr lang="en-US" altLang="ko-KR" b="1" dirty="0" smtClean="0"/>
+              <a:t>x WEB/WAS </a:t>
+            </a:r>
+            <a:r>
+              <a:rPr lang="ko-KR" altLang="en-US" b="1" dirty="0" smtClean="0"/>
+              <a:t>병렬 처리 </a:t>
+            </a:r>
+            <a:r>
+              <a:rPr lang="en-US" altLang="ko-KR" b="1" dirty="0" smtClean="0"/>
+              <a:t>+ Join </a:t>
+            </a:r>
+            <a:r>
+              <a:rPr lang="ko-KR" altLang="en-US" b="1" dirty="0" smtClean="0"/>
+              <a:t>처리</a:t>
+            </a:r>
+            <a:endParaRPr lang="ko-KR" altLang="en-US" b="1" dirty="0"/>
+          </a:p>
+        </p:txBody>
+      </p:sp>
     </p:spTree>
     <p:extLst>
       <p:ext uri="{BB962C8B-B14F-4D97-AF65-F5344CB8AC3E}">
@@ -4561,7 +4665,7 @@
         </p:nvCxnSpPr>
         <p:spPr>
           <a:xfrm flipV="1">
-            <a:off x="3780787" y="2151150"/>
+            <a:off x="3780788" y="2151150"/>
             <a:ext cx="1599669" cy="2120078"/>
           </a:xfrm>
           <a:prstGeom prst="line">
@@ -4600,7 +4704,7 @@
         </p:nvCxnSpPr>
         <p:spPr>
           <a:xfrm flipV="1">
-            <a:off x="1376553" y="3578274"/>
+            <a:off x="1376554" y="3578276"/>
             <a:ext cx="401896" cy="455063"/>
           </a:xfrm>
           <a:prstGeom prst="line">
@@ -4636,7 +4740,7 @@
         </p:nvSpPr>
         <p:spPr>
           <a:xfrm>
-            <a:off x="2891087" y="1196752"/>
+            <a:off x="2891088" y="1196752"/>
             <a:ext cx="1087093" cy="676344"/>
           </a:xfrm>
           <a:prstGeom prst="cube">
@@ -4742,7 +4846,7 @@
         </p:nvCxnSpPr>
         <p:spPr>
           <a:xfrm flipV="1">
-            <a:off x="3114084" y="2243498"/>
+            <a:off x="3114085" y="2243498"/>
             <a:ext cx="422709" cy="421686"/>
           </a:xfrm>
           <a:prstGeom prst="line">
@@ -4778,7 +4882,7 @@
         </p:nvCxnSpPr>
         <p:spPr>
           <a:xfrm flipV="1">
-            <a:off x="4194204" y="2233136"/>
+            <a:off x="4194205" y="2233136"/>
             <a:ext cx="422709" cy="421686"/>
           </a:xfrm>
           <a:prstGeom prst="line">
@@ -4814,7 +4918,7 @@
         </p:nvCxnSpPr>
         <p:spPr>
           <a:xfrm flipV="1">
-            <a:off x="953844" y="2243498"/>
+            <a:off x="953845" y="2243498"/>
             <a:ext cx="422709" cy="421686"/>
           </a:xfrm>
           <a:prstGeom prst="line">
@@ -4850,7 +4954,7 @@
         </p:nvCxnSpPr>
         <p:spPr>
           <a:xfrm flipV="1">
-            <a:off x="1287250" y="2201153"/>
+            <a:off x="1287251" y="2201155"/>
             <a:ext cx="1169423" cy="1400135"/>
           </a:xfrm>
           <a:prstGeom prst="line">
@@ -4886,7 +4990,7 @@
         </p:nvCxnSpPr>
         <p:spPr>
           <a:xfrm flipV="1">
-            <a:off x="2939302" y="1801088"/>
+            <a:off x="2939303" y="1801088"/>
             <a:ext cx="390806" cy="417912"/>
           </a:xfrm>
           <a:prstGeom prst="line">
@@ -5145,7 +5249,7 @@
         </p:nvSpPr>
         <p:spPr>
           <a:xfrm>
-            <a:off x="676595" y="3952944"/>
+            <a:off x="676596" y="3952944"/>
             <a:ext cx="1087093" cy="676344"/>
           </a:xfrm>
           <a:prstGeom prst="cube">
@@ -5208,7 +5312,7 @@
         </p:nvCxnSpPr>
         <p:spPr>
           <a:xfrm flipV="1">
-            <a:off x="1313884" y="3155104"/>
+            <a:off x="1313885" y="3155104"/>
             <a:ext cx="360040" cy="435822"/>
           </a:xfrm>
           <a:prstGeom prst="line">
@@ -5245,7 +5349,7 @@
         </p:nvCxnSpPr>
         <p:spPr>
           <a:xfrm flipV="1">
-            <a:off x="2394004" y="3165466"/>
+            <a:off x="2394005" y="3165466"/>
             <a:ext cx="360040" cy="435822"/>
           </a:xfrm>
           <a:prstGeom prst="line">
@@ -5282,7 +5386,7 @@
         </p:nvCxnSpPr>
         <p:spPr>
           <a:xfrm flipV="1">
-            <a:off x="3402116" y="3169240"/>
+            <a:off x="3402117" y="3169240"/>
             <a:ext cx="360040" cy="435822"/>
           </a:xfrm>
           <a:prstGeom prst="line">
@@ -5319,7 +5423,7 @@
         </p:nvCxnSpPr>
         <p:spPr>
           <a:xfrm flipV="1">
-            <a:off x="233764" y="3169240"/>
+            <a:off x="233765" y="3169240"/>
             <a:ext cx="360040" cy="435822"/>
           </a:xfrm>
           <a:prstGeom prst="line">
@@ -5356,7 +5460,7 @@
         </p:nvCxnSpPr>
         <p:spPr>
           <a:xfrm flipV="1">
-            <a:off x="5697033" y="3578274"/>
+            <a:off x="5697034" y="3578276"/>
             <a:ext cx="401896" cy="455063"/>
           </a:xfrm>
           <a:prstGeom prst="line">
@@ -5392,7 +5496,7 @@
         </p:nvSpPr>
         <p:spPr>
           <a:xfrm>
-            <a:off x="7211567" y="1196752"/>
+            <a:off x="7211568" y="1196752"/>
             <a:ext cx="1087093" cy="676344"/>
           </a:xfrm>
           <a:prstGeom prst="cube">
@@ -5498,7 +5602,7 @@
         </p:nvCxnSpPr>
         <p:spPr>
           <a:xfrm flipV="1">
-            <a:off x="7434564" y="2243498"/>
+            <a:off x="7434565" y="2243498"/>
             <a:ext cx="422709" cy="421686"/>
           </a:xfrm>
           <a:prstGeom prst="line">
@@ -5534,7 +5638,7 @@
         </p:nvCxnSpPr>
         <p:spPr>
           <a:xfrm flipV="1">
-            <a:off x="8514684" y="2233136"/>
+            <a:off x="8514685" y="2233136"/>
             <a:ext cx="422709" cy="421686"/>
           </a:xfrm>
           <a:prstGeom prst="line">
@@ -5570,7 +5674,7 @@
         </p:nvCxnSpPr>
         <p:spPr>
           <a:xfrm flipV="1">
-            <a:off x="5274324" y="2243498"/>
+            <a:off x="5274325" y="2243498"/>
             <a:ext cx="422709" cy="421686"/>
           </a:xfrm>
           <a:prstGeom prst="line">
@@ -5606,7 +5710,7 @@
         </p:nvCxnSpPr>
         <p:spPr>
           <a:xfrm flipV="1">
-            <a:off x="5607730" y="2201153"/>
+            <a:off x="5607731" y="2201155"/>
             <a:ext cx="1169423" cy="1400135"/>
           </a:xfrm>
           <a:prstGeom prst="line">
@@ -5642,7 +5746,7 @@
         </p:nvCxnSpPr>
         <p:spPr>
           <a:xfrm flipV="1">
-            <a:off x="7259782" y="1801088"/>
+            <a:off x="7259783" y="1801088"/>
             <a:ext cx="390806" cy="417912"/>
           </a:xfrm>
           <a:prstGeom prst="line">
@@ -5901,7 +6005,7 @@
         </p:nvSpPr>
         <p:spPr>
           <a:xfrm>
-            <a:off x="4997075" y="3952944"/>
+            <a:off x="4997076" y="3952944"/>
             <a:ext cx="1087093" cy="676344"/>
           </a:xfrm>
           <a:prstGeom prst="cube">
@@ -6038,7 +6142,7 @@
         </p:nvCxnSpPr>
         <p:spPr>
           <a:xfrm flipV="1">
-            <a:off x="7722596" y="3169240"/>
+            <a:off x="7722597" y="3169240"/>
             <a:ext cx="360040" cy="435822"/>
           </a:xfrm>
           <a:prstGeom prst="line">
@@ -6075,7 +6179,7 @@
         </p:nvCxnSpPr>
         <p:spPr>
           <a:xfrm flipV="1">
-            <a:off x="4554244" y="3169240"/>
+            <a:off x="4554245" y="3169240"/>
             <a:ext cx="360040" cy="435822"/>
           </a:xfrm>
           <a:prstGeom prst="line">
@@ -6112,7 +6216,7 @@
         </p:nvCxnSpPr>
         <p:spPr>
           <a:xfrm flipV="1">
-            <a:off x="2567434" y="4966313"/>
+            <a:off x="2567434" y="4966315"/>
             <a:ext cx="401896" cy="455063"/>
           </a:xfrm>
           <a:prstGeom prst="line">
@@ -6316,7 +6420,7 @@
         </p:nvCxnSpPr>
         <p:spPr>
           <a:xfrm flipV="1">
-            <a:off x="8173275" y="2158216"/>
+            <a:off x="8173276" y="2158216"/>
             <a:ext cx="1599669" cy="2120078"/>
           </a:xfrm>
           <a:prstGeom prst="line">
@@ -6355,7 +6459,7 @@
         </p:nvCxnSpPr>
         <p:spPr>
           <a:xfrm>
-            <a:off x="6084168" y="4293096"/>
+            <a:off x="6084169" y="4293096"/>
             <a:ext cx="2089107" cy="0"/>
           </a:xfrm>
           <a:prstGeom prst="line">
@@ -6394,7 +6498,7 @@
         </p:nvCxnSpPr>
         <p:spPr>
           <a:xfrm flipH="1">
-            <a:off x="8290657" y="1635865"/>
+            <a:off x="8290657" y="1635867"/>
             <a:ext cx="1410280" cy="1"/>
           </a:xfrm>
           <a:prstGeom prst="line">
@@ -6495,7 +6599,7 @@
         </p:blipFill>
         <p:spPr>
           <a:xfrm>
-            <a:off x="9152715" y="1491850"/>
+            <a:off x="9152716" y="1491850"/>
             <a:ext cx="747877" cy="598302"/>
           </a:xfrm>
           <a:prstGeom prst="rect">
@@ -6511,7 +6615,7 @@
         </p:nvCxnSpPr>
         <p:spPr>
           <a:xfrm>
-            <a:off x="1691680" y="4286030"/>
+            <a:off x="1691681" y="4286030"/>
             <a:ext cx="2089107" cy="0"/>
           </a:xfrm>
           <a:prstGeom prst="line">
@@ -6550,7 +6654,7 @@
         </p:nvCxnSpPr>
         <p:spPr>
           <a:xfrm flipH="1">
-            <a:off x="3898169" y="1628799"/>
+            <a:off x="3898170" y="1628801"/>
             <a:ext cx="1410280" cy="1"/>
           </a:xfrm>
           <a:prstGeom prst="line">
@@ -6589,7 +6693,7 @@
         </p:nvSpPr>
         <p:spPr>
           <a:xfrm>
-            <a:off x="4500867" y="1340768"/>
+            <a:off x="4500868" y="1340768"/>
             <a:ext cx="478931" cy="489920"/>
           </a:xfrm>
           <a:prstGeom prst="irregularSeal2">
@@ -6659,6 +6763,88 @@
           </a:prstGeom>
         </p:spPr>
       </p:pic>
+      <p:sp>
+        <p:nvSpPr>
+          <p:cNvPr id="55" name="TextBox 54"/>
+          <p:cNvSpPr txBox="1"/>
+          <p:nvPr/>
+        </p:nvSpPr>
+        <p:spPr>
+          <a:xfrm>
+            <a:off x="251521" y="179348"/>
+            <a:ext cx="7921755" cy="369332"/>
+          </a:xfrm>
+          <a:prstGeom prst="rect">
+            <a:avLst/>
+          </a:prstGeom>
+          <a:noFill/>
+        </p:spPr>
+        <p:txBody>
+          <a:bodyPr wrap="square" rtlCol="0">
+            <a:spAutoFit/>
+          </a:bodyPr>
+          <a:lstStyle/>
+          <a:p>
+            <a:r>
+              <a:rPr lang="en-US" altLang="ko-KR" b="1" dirty="0" smtClean="0"/>
+              <a:t>2</a:t>
+            </a:r>
+            <a:r>
+              <a:rPr lang="ko-KR" altLang="en-US" b="1" dirty="0" smtClean="0"/>
+              <a:t>차원 전개</a:t>
+            </a:r>
+            <a:r>
+              <a:rPr lang="en-US" altLang="ko-KR" b="1" dirty="0" smtClean="0"/>
+              <a:t>: </a:t>
+            </a:r>
+            <a:r>
+              <a:rPr lang="ko-KR" altLang="en-US" b="1" dirty="0" smtClean="0"/>
+              <a:t>내부</a:t>
+            </a:r>
+            <a:r>
+              <a:rPr lang="en-US" altLang="ko-KR" b="1" dirty="0" smtClean="0"/>
+              <a:t>/</a:t>
+            </a:r>
+            <a:r>
+              <a:rPr lang="ko-KR" altLang="en-US" b="1" dirty="0" smtClean="0"/>
+              <a:t>외부</a:t>
+            </a:r>
+            <a:r>
+              <a:rPr lang="en-US" altLang="ko-KR" b="1" dirty="0" smtClean="0"/>
+              <a:t> </a:t>
+            </a:r>
+            <a:r>
+              <a:rPr lang="en-US" altLang="ko-KR" b="1" dirty="0" smtClean="0"/>
+              <a:t>x WEB/WAS x </a:t>
+            </a:r>
+            <a:r>
+              <a:rPr lang="ko-KR" altLang="en-US" b="1" dirty="0" smtClean="0"/>
+              <a:t>클러스터</a:t>
+            </a:r>
+            <a:r>
+              <a:rPr lang="en-US" altLang="ko-KR" b="1" dirty="0" smtClean="0"/>
+              <a:t> </a:t>
+            </a:r>
+            <a:r>
+              <a:rPr lang="ko-KR" altLang="en-US" b="1" dirty="0" smtClean="0"/>
+              <a:t>병렬 처리</a:t>
+            </a:r>
+            <a:r>
+              <a:rPr lang="ko-KR" altLang="en-US" b="1" dirty="0" smtClean="0"/>
+              <a:t> </a:t>
+            </a:r>
+            <a:r>
+              <a:rPr lang="en-US" altLang="ko-KR" b="1" dirty="0" smtClean="0"/>
+              <a:t>+ Join </a:t>
+            </a:r>
+            <a:r>
+              <a:rPr lang="ko-KR" altLang="en-US" b="1" dirty="0" smtClean="0"/>
+              <a:t>처리</a:t>
+            </a:r>
+            <a:endParaRPr lang="ko-KR" altLang="en-US" b="1" dirty="0"/>
+          </a:p>
+        </p:txBody>
+      </p:sp>
     </p:spTree>
     <p:extLst>
       <p:ext uri="{BB962C8B-B14F-4D97-AF65-F5344CB8AC3E}">
@@ -6698,7 +6884,7 @@
       </p:grpSpPr>
       <p:grpSp>
         <p:nvGrpSpPr>
-          <p:cNvPr id="10" name="그룹 9"/>
+          <p:cNvPr id="2" name="그룹 9"/>
           <p:cNvGrpSpPr/>
           <p:nvPr/>
         </p:nvGrpSpPr>
@@ -6719,7 +6905,7 @@
         </p:grpSpPr>
         <p:grpSp>
           <p:nvGrpSpPr>
-            <p:cNvPr id="269" name="그룹 268"/>
+            <p:cNvPr id="3" name="그룹 268"/>
             <p:cNvGrpSpPr/>
             <p:nvPr/>
           </p:nvGrpSpPr>
@@ -7690,7 +7876,7 @@
         </p:grpSp>
         <p:grpSp>
           <p:nvGrpSpPr>
-            <p:cNvPr id="298" name="그룹 297"/>
+            <p:cNvPr id="4" name="그룹 297"/>
             <p:cNvGrpSpPr/>
             <p:nvPr/>
           </p:nvGrpSpPr>
@@ -7779,7 +7965,7 @@
                 <a:pPr algn="ctr"/>
                 <a:r>
                   <a:rPr lang="en-US" altLang="ko-KR" sz="800" dirty="0" smtClean="0"/>
-                  <a:t>dev-ccm-publish-ext-web1-by-rsync</a:t>
+                  <a:t>dev-cmm-publish-ext-web1-by-rsync</a:t>
                 </a:r>
                 <a:endParaRPr lang="ko-KR" altLang="en-US" sz="800" dirty="0"/>
               </a:p>
@@ -7826,7 +8012,7 @@
                 <a:pPr algn="ctr"/>
                 <a:r>
                   <a:rPr lang="en-US" altLang="ko-KR" sz="800" dirty="0" smtClean="0"/>
-                  <a:t>dev-ccm-publish-int-was1-by-rsync</a:t>
+                  <a:t>dev-cmm-publish-int-was1-by-rsync</a:t>
                 </a:r>
                 <a:endParaRPr lang="ko-KR" altLang="en-US" sz="800" dirty="0"/>
               </a:p>
@@ -7907,16 +8093,12 @@
               <a:p>
                 <a:pPr algn="ctr"/>
                 <a:r>
+                  <a:rPr lang="en-US" altLang="ko-KR" sz="800" dirty="0" smtClean="0"/>
+                  <a:t>dev-</a:t>
+                </a:r>
+                <a:r>
                   <a:rPr lang="en-US" altLang="ko-KR" sz="800" dirty="0" err="1" smtClean="0"/>
-                  <a:t>dev</a:t>
-                </a:r>
-                <a:r>
-                  <a:rPr lang="en-US" altLang="ko-KR" sz="800" dirty="0" smtClean="0"/>
-                  <a:t>-</a:t>
-                </a:r>
-                <a:r>
-                  <a:rPr lang="en-US" altLang="ko-KR" sz="800" dirty="0" err="1" smtClean="0"/>
-                  <a:t>ccm</a:t>
+                  <a:t>cmm</a:t>
                 </a:r>
                 <a:r>
                   <a:rPr lang="en-US" altLang="ko-KR" sz="800" dirty="0" smtClean="0"/>
@@ -8002,16 +8184,16 @@
               <a:p>
                 <a:pPr algn="ctr"/>
                 <a:r>
+                  <a:rPr lang="en-US" altLang="ko-KR" sz="800" dirty="0" smtClean="0"/>
+                  <a:t>dev-</a:t>
+                </a:r>
+                <a:r>
                   <a:rPr lang="en-US" altLang="ko-KR" sz="800" dirty="0" err="1" smtClean="0"/>
-                  <a:t>dev</a:t>
-                </a:r>
-                <a:r>
-                  <a:rPr lang="en-US" altLang="ko-KR" sz="800" dirty="0" smtClean="0"/>
-                  <a:t>-</a:t>
+                  <a:t>c</a:t>
                 </a:r>
                 <a:r>
                   <a:rPr lang="en-US" altLang="ko-KR" sz="800" dirty="0" err="1" smtClean="0"/>
-                  <a:t>ccm</a:t>
+                  <a:t>mm</a:t>
                 </a:r>
                 <a:r>
                   <a:rPr lang="en-US" altLang="ko-KR" sz="800" dirty="0" smtClean="0"/>
@@ -8169,7 +8351,7 @@
         </p:cxnSp>
         <p:grpSp>
           <p:nvGrpSpPr>
-            <p:cNvPr id="45" name="그룹 44"/>
+            <p:cNvPr id="5" name="그룹 44"/>
             <p:cNvGrpSpPr/>
             <p:nvPr/>
           </p:nvGrpSpPr>
@@ -8936,7 +9118,7 @@
         </p:cxnSp>
         <p:grpSp>
           <p:nvGrpSpPr>
-            <p:cNvPr id="77" name="그룹 76"/>
+            <p:cNvPr id="7" name="그룹 76"/>
             <p:cNvGrpSpPr/>
             <p:nvPr/>
           </p:nvGrpSpPr>
@@ -9294,6 +9476,96 @@
           </p:txBody>
         </p:sp>
       </p:grpSp>
+      <p:sp>
+        <p:nvSpPr>
+          <p:cNvPr id="67" name="TextBox 66"/>
+          <p:cNvSpPr txBox="1"/>
+          <p:nvPr/>
+        </p:nvSpPr>
+        <p:spPr>
+          <a:xfrm>
+            <a:off x="251521" y="179348"/>
+            <a:ext cx="8500276" cy="369332"/>
+          </a:xfrm>
+          <a:prstGeom prst="rect">
+            <a:avLst/>
+          </a:prstGeom>
+          <a:solidFill>
+            <a:schemeClr val="bg1">
+              <a:alpha val="50000"/>
+            </a:schemeClr>
+          </a:solidFill>
+        </p:spPr>
+        <p:txBody>
+          <a:bodyPr wrap="none" rtlCol="0">
+            <a:spAutoFit/>
+          </a:bodyPr>
+          <a:lstStyle/>
+          <a:p>
+            <a:r>
+              <a:rPr lang="en-US" altLang="ko-KR" b="1" dirty="0" smtClean="0"/>
+              <a:t>2</a:t>
+            </a:r>
+            <a:r>
+              <a:rPr lang="ko-KR" altLang="en-US" b="1" dirty="0" smtClean="0"/>
+              <a:t>차원 전개</a:t>
+            </a:r>
+            <a:r>
+              <a:rPr lang="en-US" altLang="ko-KR" b="1" dirty="0" smtClean="0"/>
+              <a:t>: </a:t>
+            </a:r>
+            <a:r>
+              <a:rPr lang="ko-KR" altLang="en-US" b="1" dirty="0" smtClean="0"/>
+              <a:t>내부</a:t>
+            </a:r>
+            <a:r>
+              <a:rPr lang="en-US" altLang="ko-KR" b="1" dirty="0" smtClean="0"/>
+              <a:t>/</a:t>
+            </a:r>
+            <a:r>
+              <a:rPr lang="ko-KR" altLang="en-US" b="1" dirty="0" smtClean="0"/>
+              <a:t>외부</a:t>
+            </a:r>
+            <a:r>
+              <a:rPr lang="en-US" altLang="ko-KR" b="1" dirty="0" smtClean="0"/>
+              <a:t> </a:t>
+            </a:r>
+            <a:r>
+              <a:rPr lang="en-US" altLang="ko-KR" b="1" dirty="0" smtClean="0"/>
+              <a:t>x WEB/WAS x </a:t>
+            </a:r>
+            <a:r>
+              <a:rPr lang="ko-KR" altLang="en-US" b="1" dirty="0" smtClean="0"/>
+              <a:t>클러스터</a:t>
+            </a:r>
+            <a:r>
+              <a:rPr lang="en-US" altLang="ko-KR" b="1" dirty="0" smtClean="0"/>
+              <a:t> x </a:t>
+            </a:r>
+            <a:r>
+              <a:rPr lang="ko-KR" altLang="en-US" b="1" dirty="0" smtClean="0"/>
+              <a:t>업무별 병렬</a:t>
+            </a:r>
+            <a:r>
+              <a:rPr lang="ko-KR" altLang="en-US" b="1" dirty="0" smtClean="0"/>
+              <a:t> </a:t>
+            </a:r>
+            <a:r>
+              <a:rPr lang="en-US" altLang="ko-KR" b="1" dirty="0" smtClean="0"/>
+              <a:t>+ Join </a:t>
+            </a:r>
+            <a:r>
+              <a:rPr lang="ko-KR" altLang="en-US" b="1" dirty="0" smtClean="0"/>
+              <a:t>처리</a:t>
+            </a:r>
+            <a:r>
+              <a:rPr lang="ko-KR" altLang="en-US" b="1" dirty="0" smtClean="0"/>
+              <a:t> 처리</a:t>
+            </a:r>
+            <a:endParaRPr lang="ko-KR" altLang="en-US" b="1" dirty="0"/>
+          </a:p>
+        </p:txBody>
+      </p:sp>
     </p:spTree>
     <p:extLst>
       <p:ext uri="{BB962C8B-B14F-4D97-AF65-F5344CB8AC3E}">
@@ -9333,13 +9605,13 @@
       </p:grpSpPr>
       <p:grpSp>
         <p:nvGrpSpPr>
-          <p:cNvPr id="10" name="그룹 9"/>
+          <p:cNvPr id="2" name="그룹 9"/>
           <p:cNvGrpSpPr/>
           <p:nvPr/>
         </p:nvGrpSpPr>
         <p:grpSpPr>
           <a:xfrm>
-            <a:off x="-1692696" y="-1055384"/>
+            <a:off x="-1692695" y="-1055384"/>
             <a:ext cx="13203067" cy="7580728"/>
             <a:chOff x="-1692696" y="-1055384"/>
             <a:chExt cx="13203067" cy="7580728"/>
@@ -9354,7 +9626,7 @@
         </p:grpSpPr>
         <p:grpSp>
           <p:nvGrpSpPr>
-            <p:cNvPr id="269" name="그룹 268"/>
+            <p:cNvPr id="3" name="그룹 268"/>
             <p:cNvGrpSpPr/>
             <p:nvPr/>
           </p:nvGrpSpPr>
@@ -10208,7 +10480,7 @@
         </p:grpSp>
         <p:grpSp>
           <p:nvGrpSpPr>
-            <p:cNvPr id="298" name="그룹 297"/>
+            <p:cNvPr id="4" name="그룹 297"/>
             <p:cNvGrpSpPr/>
             <p:nvPr/>
           </p:nvGrpSpPr>
@@ -10297,7 +10569,7 @@
                 <a:pPr algn="ctr"/>
                 <a:r>
                   <a:rPr lang="en-US" altLang="ko-KR" sz="800" dirty="0" smtClean="0"/>
-                  <a:t>dev-ccm-publish-ext-web1-by-rsync</a:t>
+                  <a:t>dev-cmm-publish-ext-web1-by-rsync</a:t>
                 </a:r>
                 <a:endParaRPr lang="ko-KR" altLang="en-US" sz="800" dirty="0"/>
               </a:p>
@@ -10344,7 +10616,7 @@
                 <a:pPr algn="ctr"/>
                 <a:r>
                   <a:rPr lang="en-US" altLang="ko-KR" sz="800" dirty="0" smtClean="0"/>
-                  <a:t>dev-ccm-publish-int-was1-by-rsync</a:t>
+                  <a:t>dev-cmm-publish-int-was1-by-rsync</a:t>
                 </a:r>
                 <a:endParaRPr lang="ko-KR" altLang="en-US" sz="800" dirty="0"/>
               </a:p>
@@ -10425,16 +10697,12 @@
               <a:p>
                 <a:pPr algn="ctr"/>
                 <a:r>
+                  <a:rPr lang="en-US" altLang="ko-KR" sz="800" dirty="0" smtClean="0"/>
+                  <a:t>dev-</a:t>
+                </a:r>
+                <a:r>
                   <a:rPr lang="en-US" altLang="ko-KR" sz="800" dirty="0" err="1" smtClean="0"/>
-                  <a:t>dev</a:t>
-                </a:r>
-                <a:r>
-                  <a:rPr lang="en-US" altLang="ko-KR" sz="800" dirty="0" smtClean="0"/>
-                  <a:t>-</a:t>
-                </a:r>
-                <a:r>
-                  <a:rPr lang="en-US" altLang="ko-KR" sz="800" dirty="0" err="1" smtClean="0"/>
-                  <a:t>ccm</a:t>
+                  <a:t>cmm</a:t>
                 </a:r>
                 <a:r>
                   <a:rPr lang="en-US" altLang="ko-KR" sz="800" dirty="0" smtClean="0"/>
@@ -10520,16 +10788,12 @@
               <a:p>
                 <a:pPr algn="ctr"/>
                 <a:r>
+                  <a:rPr lang="en-US" altLang="ko-KR" sz="800" dirty="0" smtClean="0"/>
+                  <a:t>dev-</a:t>
+                </a:r>
+                <a:r>
                   <a:rPr lang="en-US" altLang="ko-KR" sz="800" dirty="0" err="1" smtClean="0"/>
-                  <a:t>dev</a:t>
-                </a:r>
-                <a:r>
-                  <a:rPr lang="en-US" altLang="ko-KR" sz="800" dirty="0" smtClean="0"/>
-                  <a:t>-</a:t>
-                </a:r>
-                <a:r>
-                  <a:rPr lang="en-US" altLang="ko-KR" sz="800" dirty="0" err="1" smtClean="0"/>
-                  <a:t>ccm</a:t>
+                  <a:t>cmm</a:t>
                 </a:r>
                 <a:r>
                   <a:rPr lang="en-US" altLang="ko-KR" sz="800" dirty="0" smtClean="0"/>
@@ -10687,7 +10951,7 @@
         </p:cxnSp>
         <p:grpSp>
           <p:nvGrpSpPr>
-            <p:cNvPr id="45" name="그룹 44"/>
+            <p:cNvPr id="5" name="그룹 44"/>
             <p:cNvGrpSpPr/>
             <p:nvPr/>
           </p:nvGrpSpPr>
@@ -11454,7 +11718,7 @@
         </p:cxnSp>
         <p:grpSp>
           <p:nvGrpSpPr>
-            <p:cNvPr id="77" name="그룹 76"/>
+            <p:cNvPr id="7" name="그룹 76"/>
             <p:cNvGrpSpPr/>
             <p:nvPr/>
           </p:nvGrpSpPr>
@@ -11814,13 +12078,13 @@
       </p:grpSp>
       <p:grpSp>
         <p:nvGrpSpPr>
-          <p:cNvPr id="16" name="그룹 15"/>
+          <p:cNvPr id="8" name="그룹 15"/>
           <p:cNvGrpSpPr/>
           <p:nvPr/>
         </p:nvGrpSpPr>
         <p:grpSpPr>
           <a:xfrm>
-            <a:off x="467544" y="3407132"/>
+            <a:off x="467545" y="3407134"/>
             <a:ext cx="7416824" cy="1416585"/>
             <a:chOff x="467544" y="3407132"/>
             <a:chExt cx="7416824" cy="1416585"/>
@@ -11842,9 +12106,7 @@
             </a:prstGeom>
             <a:ln w="57150">
               <a:solidFill>
-                <a:schemeClr val="bg1">
-                  <a:lumMod val="65000"/>
-                </a:schemeClr>
+                <a:srgbClr val="002060"/>
               </a:solidFill>
               <a:prstDash val="sysDot"/>
               <a:tailEnd type="none" w="sm" len="sm"/>
@@ -11881,9 +12143,7 @@
             </a:prstGeom>
             <a:ln w="57150">
               <a:solidFill>
-                <a:schemeClr val="bg1">
-                  <a:lumMod val="65000"/>
-                </a:schemeClr>
+                <a:srgbClr val="002060"/>
               </a:solidFill>
               <a:prstDash val="sysDot"/>
               <a:tailEnd type="none" w="sm" len="sm"/>
@@ -11920,9 +12180,7 @@
             </a:prstGeom>
             <a:ln w="57150">
               <a:solidFill>
-                <a:schemeClr val="bg1">
-                  <a:lumMod val="65000"/>
-                </a:schemeClr>
+                <a:srgbClr val="002060"/>
               </a:solidFill>
               <a:prstDash val="sysDot"/>
               <a:tailEnd type="none" w="sm" len="sm"/>
@@ -11959,9 +12217,7 @@
             </a:prstGeom>
             <a:ln w="57150">
               <a:solidFill>
-                <a:schemeClr val="bg1">
-                  <a:lumMod val="65000"/>
-                </a:schemeClr>
+                <a:srgbClr val="002060"/>
               </a:solidFill>
               <a:prstDash val="sysDot"/>
               <a:tailEnd type="none" w="sm" len="sm"/>
@@ -11998,9 +12254,7 @@
             </a:prstGeom>
             <a:ln w="57150">
               <a:solidFill>
-                <a:schemeClr val="bg1">
-                  <a:lumMod val="65000"/>
-                </a:schemeClr>
+                <a:srgbClr val="002060"/>
               </a:solidFill>
               <a:prstDash val="sysDot"/>
               <a:tailEnd type="none" w="sm" len="sm"/>
@@ -12037,9 +12291,7 @@
             </a:prstGeom>
             <a:ln w="57150">
               <a:solidFill>
-                <a:schemeClr val="bg1">
-                  <a:lumMod val="65000"/>
-                </a:schemeClr>
+                <a:srgbClr val="002060"/>
               </a:solidFill>
               <a:prstDash val="sysDot"/>
               <a:tailEnd type="none" w="sm" len="sm"/>
@@ -12061,6 +12313,167 @@
           </p:style>
         </p:cxnSp>
       </p:grpSp>
+      <p:sp>
+        <p:nvSpPr>
+          <p:cNvPr id="77" name="TextBox 76"/>
+          <p:cNvSpPr txBox="1"/>
+          <p:nvPr/>
+        </p:nvSpPr>
+        <p:spPr>
+          <a:xfrm>
+            <a:off x="251521" y="179348"/>
+            <a:ext cx="7179401" cy="646331"/>
+          </a:xfrm>
+          <a:prstGeom prst="rect">
+            <a:avLst/>
+          </a:prstGeom>
+          <a:solidFill>
+            <a:schemeClr val="bg1">
+              <a:alpha val="50000"/>
+            </a:schemeClr>
+          </a:solidFill>
+        </p:spPr>
+        <p:txBody>
+          <a:bodyPr wrap="none" rtlCol="0">
+            <a:spAutoFit/>
+          </a:bodyPr>
+          <a:lstStyle/>
+          <a:p>
+            <a:r>
+              <a:rPr lang="en-US" altLang="ko-KR" b="1" dirty="0" smtClean="0"/>
+              <a:t>2</a:t>
+            </a:r>
+            <a:r>
+              <a:rPr lang="ko-KR" altLang="en-US" b="1" dirty="0" smtClean="0"/>
+              <a:t>차원 전개</a:t>
+            </a:r>
+            <a:r>
+              <a:rPr lang="en-US" altLang="ko-KR" b="1" dirty="0" smtClean="0"/>
+              <a:t>: </a:t>
+            </a:r>
+            <a:r>
+              <a:rPr lang="ko-KR" altLang="en-US" b="1" dirty="0" smtClean="0"/>
+              <a:t>내부</a:t>
+            </a:r>
+            <a:r>
+              <a:rPr lang="en-US" altLang="ko-KR" b="1" dirty="0" smtClean="0"/>
+              <a:t>/</a:t>
+            </a:r>
+            <a:r>
+              <a:rPr lang="ko-KR" altLang="en-US" b="1" dirty="0" smtClean="0"/>
+              <a:t>외부</a:t>
+            </a:r>
+            <a:r>
+              <a:rPr lang="en-US" altLang="ko-KR" b="1" dirty="0" smtClean="0"/>
+              <a:t> </a:t>
+            </a:r>
+            <a:r>
+              <a:rPr lang="en-US" altLang="ko-KR" b="1" dirty="0" smtClean="0"/>
+              <a:t>x WEB/WAS x </a:t>
+            </a:r>
+            <a:r>
+              <a:rPr lang="ko-KR" altLang="en-US" b="1" dirty="0" smtClean="0"/>
+              <a:t>클러스터</a:t>
+            </a:r>
+            <a:r>
+              <a:rPr lang="en-US" altLang="ko-KR" b="1" dirty="0" smtClean="0"/>
+              <a:t> x </a:t>
+            </a:r>
+            <a:r>
+              <a:rPr lang="ko-KR" altLang="en-US" b="1" dirty="0" smtClean="0"/>
+              <a:t>업무별 병렬 처리</a:t>
+            </a:r>
+            <a:endParaRPr lang="en-US" altLang="ko-KR" b="1" dirty="0" smtClean="0"/>
+          </a:p>
+          <a:p>
+            <a:r>
+              <a:rPr lang="ko-KR" altLang="en-US" b="1" dirty="0" smtClean="0"/>
+              <a:t> </a:t>
+            </a:r>
+            <a:r>
+              <a:rPr lang="en-US" altLang="ko-KR" b="1" dirty="0" smtClean="0"/>
+              <a:t>+ Join </a:t>
+            </a:r>
+            <a:r>
+              <a:rPr lang="ko-KR" altLang="en-US" b="1" dirty="0" smtClean="0"/>
+              <a:t>처리</a:t>
+            </a:r>
+            <a:r>
+              <a:rPr lang="ko-KR" altLang="en-US" b="1" dirty="0" smtClean="0"/>
+              <a:t> </a:t>
+            </a:r>
+            <a:r>
+              <a:rPr lang="en-US" altLang="ko-KR" b="1" dirty="0" smtClean="0"/>
+              <a:t>+ Lock </a:t>
+            </a:r>
+            <a:r>
+              <a:rPr lang="ko-KR" altLang="en-US" b="1" dirty="0" smtClean="0"/>
+              <a:t>처리</a:t>
+            </a:r>
+            <a:endParaRPr lang="ko-KR" altLang="en-US" b="1" dirty="0"/>
+          </a:p>
+        </p:txBody>
+      </p:sp>
+      <p:pic>
+        <p:nvPicPr>
+          <p:cNvPr id="97" name="그림 96"/>
+          <p:cNvPicPr>
+            <a:picLocks noChangeAspect="1"/>
+          </p:cNvPicPr>
+          <p:nvPr/>
+        </p:nvPicPr>
+        <p:blipFill>
+          <a:blip r:embed="rId2" cstate="print">
+            <a:extLst>
+              <a:ext uri="{28A0092B-C50C-407E-A947-70E740481C1C}">
+                <a14:useLocalDpi xmlns:a14="http://schemas.microsoft.com/office/drawing/2010/main" xmlns="" val="0"/>
+              </a:ext>
+            </a:extLst>
+          </a:blip>
+          <a:stretch>
+            <a:fillRect/>
+          </a:stretch>
+        </p:blipFill>
+        <p:spPr>
+          <a:xfrm>
+            <a:off x="6098003" y="4470822"/>
+            <a:ext cx="531684" cy="624043"/>
+          </a:xfrm>
+          <a:prstGeom prst="rect">
+            <a:avLst/>
+          </a:prstGeom>
+        </p:spPr>
+      </p:pic>
+      <p:pic>
+        <p:nvPicPr>
+          <p:cNvPr id="103" name="그림 102"/>
+          <p:cNvPicPr>
+            <a:picLocks noChangeAspect="1"/>
+          </p:cNvPicPr>
+          <p:nvPr/>
+        </p:nvPicPr>
+        <p:blipFill>
+          <a:blip r:embed="rId2" cstate="print">
+            <a:extLst>
+              <a:ext uri="{28A0092B-C50C-407E-A947-70E740481C1C}">
+                <a14:useLocalDpi xmlns:a14="http://schemas.microsoft.com/office/drawing/2010/main" xmlns="" val="0"/>
+              </a:ext>
+            </a:extLst>
+          </a:blip>
+          <a:stretch>
+            <a:fillRect/>
+          </a:stretch>
+        </p:blipFill>
+        <p:spPr>
+          <a:xfrm>
+            <a:off x="1208584" y="4439752"/>
+            <a:ext cx="531684" cy="624043"/>
+          </a:xfrm>
+          <a:prstGeom prst="rect">
+            <a:avLst/>
+          </a:prstGeom>
+        </p:spPr>
+      </p:pic>
     </p:spTree>
     <p:extLst>
       <p:ext uri="{BB962C8B-B14F-4D97-AF65-F5344CB8AC3E}">
@@ -12100,13 +12513,13 @@
       </p:grpSpPr>
       <p:grpSp>
         <p:nvGrpSpPr>
-          <p:cNvPr id="73" name="그룹 72"/>
+          <p:cNvPr id="2" name="그룹 72"/>
           <p:cNvGrpSpPr/>
           <p:nvPr/>
         </p:nvGrpSpPr>
         <p:grpSpPr>
           <a:xfrm>
-            <a:off x="-1692696" y="-1055384"/>
+            <a:off x="-1692695" y="-1055384"/>
             <a:ext cx="13203067" cy="7580728"/>
             <a:chOff x="-1692696" y="-1055384"/>
             <a:chExt cx="13203067" cy="7580728"/>
@@ -12121,7 +12534,7 @@
         </p:grpSpPr>
         <p:grpSp>
           <p:nvGrpSpPr>
-            <p:cNvPr id="76" name="그룹 75"/>
+            <p:cNvPr id="3" name="그룹 75"/>
             <p:cNvGrpSpPr/>
             <p:nvPr/>
           </p:nvGrpSpPr>
@@ -12975,7 +13388,7 @@
         </p:grpSp>
         <p:grpSp>
           <p:nvGrpSpPr>
-            <p:cNvPr id="95" name="그룹 94"/>
+            <p:cNvPr id="4" name="그룹 94"/>
             <p:cNvGrpSpPr/>
             <p:nvPr/>
           </p:nvGrpSpPr>
@@ -13419,7 +13832,7 @@
         </p:cxnSp>
         <p:grpSp>
           <p:nvGrpSpPr>
-            <p:cNvPr id="99" name="그룹 98"/>
+            <p:cNvPr id="5" name="그룹 98"/>
             <p:cNvGrpSpPr/>
             <p:nvPr/>
           </p:nvGrpSpPr>
@@ -13862,7 +14275,7 @@
         </p:cxnSp>
         <p:grpSp>
           <p:nvGrpSpPr>
-            <p:cNvPr id="103" name="그룹 102"/>
+            <p:cNvPr id="6" name="그룹 102"/>
             <p:cNvGrpSpPr/>
             <p:nvPr/>
           </p:nvGrpSpPr>
@@ -14186,7 +14599,7 @@
         </p:cxnSp>
         <p:grpSp>
           <p:nvGrpSpPr>
-            <p:cNvPr id="106" name="그룹 105"/>
+            <p:cNvPr id="7" name="그룹 105"/>
             <p:cNvGrpSpPr/>
             <p:nvPr/>
           </p:nvGrpSpPr>
@@ -14552,7 +14965,7 @@
         </p:nvCxnSpPr>
         <p:spPr>
           <a:xfrm>
-            <a:off x="2225643" y="5336096"/>
+            <a:off x="2225644" y="5336096"/>
             <a:ext cx="3487" cy="613184"/>
           </a:xfrm>
           <a:prstGeom prst="line">
@@ -14560,9 +14973,7 @@
           </a:prstGeom>
           <a:ln w="57150">
             <a:solidFill>
-              <a:schemeClr val="bg1">
-                <a:lumMod val="65000"/>
-              </a:schemeClr>
+              <a:srgbClr val="FF0000"/>
             </a:solidFill>
             <a:prstDash val="sysDot"/>
             <a:tailEnd type="none" w="sm" len="sm"/>
@@ -14599,9 +15010,7 @@
           </a:prstGeom>
           <a:ln w="57150">
             <a:solidFill>
-              <a:schemeClr val="bg1">
-                <a:lumMod val="65000"/>
-              </a:schemeClr>
+              <a:srgbClr val="FF0000"/>
             </a:solidFill>
             <a:prstDash val="sysDot"/>
             <a:tailEnd type="none" w="sm" len="sm"/>
@@ -14630,7 +15039,7 @@
         </p:nvCxnSpPr>
         <p:spPr>
           <a:xfrm>
-            <a:off x="6740549" y="2562734"/>
+            <a:off x="6740550" y="2562734"/>
             <a:ext cx="3487" cy="613184"/>
           </a:xfrm>
           <a:prstGeom prst="line">
@@ -14638,9 +15047,7 @@
           </a:prstGeom>
           <a:ln w="57150">
             <a:solidFill>
-              <a:schemeClr val="bg1">
-                <a:lumMod val="65000"/>
-              </a:schemeClr>
+              <a:srgbClr val="FF0000"/>
             </a:solidFill>
             <a:prstDash val="sysDot"/>
             <a:tailEnd type="none" w="sm" len="sm"/>
@@ -14677,9 +15084,7 @@
           </a:prstGeom>
           <a:ln w="57150">
             <a:solidFill>
-              <a:schemeClr val="bg1">
-                <a:lumMod val="65000"/>
-              </a:schemeClr>
+              <a:srgbClr val="FF0000"/>
             </a:solidFill>
             <a:prstDash val="sysDot"/>
             <a:tailEnd type="none" w="sm" len="sm"/>
@@ -14716,9 +15121,7 @@
           </a:prstGeom>
           <a:ln w="57150">
             <a:solidFill>
-              <a:schemeClr val="bg1">
-                <a:lumMod val="65000"/>
-              </a:schemeClr>
+              <a:srgbClr val="FF0000"/>
             </a:solidFill>
             <a:prstDash val="sysDot"/>
             <a:tailEnd type="none" w="sm" len="sm"/>
@@ -14753,13 +15156,11 @@
           <a:prstGeom prst="line">
             <a:avLst/>
           </a:prstGeom>
-          <a:ln w="127000">
+          <a:ln w="57150">
             <a:solidFill>
-              <a:schemeClr val="bg1">
-                <a:lumMod val="75000"/>
-              </a:schemeClr>
+              <a:srgbClr val="FF0000"/>
             </a:solidFill>
-            <a:prstDash val="solid"/>
+            <a:prstDash val="sysDot"/>
             <a:tailEnd type="none" w="sm" len="sm"/>
           </a:ln>
         </p:spPr>
@@ -14780,13 +15181,13 @@
       </p:cxnSp>
       <p:grpSp>
         <p:nvGrpSpPr>
-          <p:cNvPr id="374" name="그룹 373"/>
+          <p:cNvPr id="8" name="그룹 373"/>
           <p:cNvGrpSpPr/>
           <p:nvPr/>
         </p:nvGrpSpPr>
         <p:grpSpPr>
           <a:xfrm>
-            <a:off x="-1718299" y="-2063496"/>
+            <a:off x="-1718298" y="-2063496"/>
             <a:ext cx="13203067" cy="7580728"/>
             <a:chOff x="-1692696" y="-1055384"/>
             <a:chExt cx="13203067" cy="7580728"/>
@@ -14801,7 +15202,7 @@
         </p:grpSpPr>
         <p:grpSp>
           <p:nvGrpSpPr>
-            <p:cNvPr id="375" name="그룹 374"/>
+            <p:cNvPr id="9" name="그룹 374"/>
             <p:cNvGrpSpPr/>
             <p:nvPr/>
           </p:nvGrpSpPr>
@@ -15723,7 +16124,7 @@
         </p:grpSp>
         <p:grpSp>
           <p:nvGrpSpPr>
-            <p:cNvPr id="376" name="그룹 375"/>
+            <p:cNvPr id="10" name="그룹 375"/>
             <p:cNvGrpSpPr/>
             <p:nvPr/>
           </p:nvGrpSpPr>
@@ -16207,7 +16608,7 @@
         </p:cxnSp>
         <p:grpSp>
           <p:nvGrpSpPr>
-            <p:cNvPr id="379" name="그룹 378"/>
+            <p:cNvPr id="11" name="그룹 378"/>
             <p:cNvGrpSpPr/>
             <p:nvPr/>
           </p:nvGrpSpPr>
@@ -16690,7 +17091,7 @@
         </p:cxnSp>
         <p:grpSp>
           <p:nvGrpSpPr>
-            <p:cNvPr id="381" name="그룹 380"/>
+            <p:cNvPr id="12" name="그룹 380"/>
             <p:cNvGrpSpPr/>
             <p:nvPr/>
           </p:nvGrpSpPr>
@@ -17018,7 +17419,7 @@
         </p:cxnSp>
         <p:grpSp>
           <p:nvGrpSpPr>
-            <p:cNvPr id="384" name="그룹 383"/>
+            <p:cNvPr id="13" name="그룹 383"/>
             <p:cNvGrpSpPr/>
             <p:nvPr/>
           </p:nvGrpSpPr>
@@ -17414,13 +17815,13 @@
       </p:grpSp>
       <p:grpSp>
         <p:nvGrpSpPr>
-          <p:cNvPr id="165" name="그룹 164"/>
+          <p:cNvPr id="14" name="그룹 164"/>
           <p:cNvGrpSpPr/>
           <p:nvPr/>
         </p:nvGrpSpPr>
         <p:grpSpPr>
           <a:xfrm>
-            <a:off x="467544" y="3407132"/>
+            <a:off x="467545" y="3407134"/>
             <a:ext cx="7416824" cy="1416585"/>
             <a:chOff x="467544" y="3407132"/>
             <a:chExt cx="7416824" cy="1416585"/>
@@ -17442,9 +17843,7 @@
             </a:prstGeom>
             <a:ln w="57150">
               <a:solidFill>
-                <a:schemeClr val="bg1">
-                  <a:lumMod val="65000"/>
-                </a:schemeClr>
+                <a:srgbClr val="002060"/>
               </a:solidFill>
               <a:prstDash val="sysDot"/>
               <a:tailEnd type="none" w="sm" len="sm"/>
@@ -17481,9 +17880,7 @@
             </a:prstGeom>
             <a:ln w="57150">
               <a:solidFill>
-                <a:schemeClr val="bg1">
-                  <a:lumMod val="65000"/>
-                </a:schemeClr>
+                <a:srgbClr val="002060"/>
               </a:solidFill>
               <a:prstDash val="sysDot"/>
               <a:tailEnd type="none" w="sm" len="sm"/>
@@ -17520,9 +17917,7 @@
             </a:prstGeom>
             <a:ln w="57150">
               <a:solidFill>
-                <a:schemeClr val="bg1">
-                  <a:lumMod val="65000"/>
-                </a:schemeClr>
+                <a:srgbClr val="002060"/>
               </a:solidFill>
               <a:prstDash val="sysDot"/>
               <a:tailEnd type="none" w="sm" len="sm"/>
@@ -17559,9 +17954,7 @@
             </a:prstGeom>
             <a:ln w="57150">
               <a:solidFill>
-                <a:schemeClr val="bg1">
-                  <a:lumMod val="65000"/>
-                </a:schemeClr>
+                <a:srgbClr val="002060"/>
               </a:solidFill>
               <a:prstDash val="sysDot"/>
               <a:tailEnd type="none" w="sm" len="sm"/>
@@ -17598,9 +17991,7 @@
             </a:prstGeom>
             <a:ln w="57150">
               <a:solidFill>
-                <a:schemeClr val="bg1">
-                  <a:lumMod val="65000"/>
-                </a:schemeClr>
+                <a:srgbClr val="002060"/>
               </a:solidFill>
               <a:prstDash val="sysDot"/>
               <a:tailEnd type="none" w="sm" len="sm"/>
@@ -17637,9 +18028,7 @@
             </a:prstGeom>
             <a:ln w="57150">
               <a:solidFill>
-                <a:schemeClr val="bg1">
-                  <a:lumMod val="65000"/>
-                </a:schemeClr>
+                <a:srgbClr val="002060"/>
               </a:solidFill>
               <a:prstDash val="sysDot"/>
               <a:tailEnd type="none" w="sm" len="sm"/>
@@ -17663,13 +18052,13 @@
       </p:grpSp>
       <p:grpSp>
         <p:nvGrpSpPr>
-          <p:cNvPr id="179" name="그룹 178"/>
+          <p:cNvPr id="15" name="그룹 178"/>
           <p:cNvGrpSpPr/>
           <p:nvPr/>
         </p:nvGrpSpPr>
         <p:grpSpPr>
           <a:xfrm>
-            <a:off x="467544" y="2444463"/>
+            <a:off x="467545" y="2444465"/>
             <a:ext cx="7416824" cy="1416585"/>
             <a:chOff x="467544" y="3407132"/>
             <a:chExt cx="7416824" cy="1416585"/>
@@ -17691,9 +18080,7 @@
             </a:prstGeom>
             <a:ln w="57150">
               <a:solidFill>
-                <a:schemeClr val="bg1">
-                  <a:lumMod val="65000"/>
-                </a:schemeClr>
+                <a:srgbClr val="002060"/>
               </a:solidFill>
               <a:prstDash val="sysDot"/>
               <a:tailEnd type="none" w="sm" len="sm"/>
@@ -17730,9 +18117,7 @@
             </a:prstGeom>
             <a:ln w="57150">
               <a:solidFill>
-                <a:schemeClr val="bg1">
-                  <a:lumMod val="65000"/>
-                </a:schemeClr>
+                <a:srgbClr val="002060"/>
               </a:solidFill>
               <a:prstDash val="sysDot"/>
               <a:tailEnd type="none" w="sm" len="sm"/>
@@ -17769,9 +18154,7 @@
             </a:prstGeom>
             <a:ln w="57150">
               <a:solidFill>
-                <a:schemeClr val="bg1">
-                  <a:lumMod val="65000"/>
-                </a:schemeClr>
+                <a:srgbClr val="002060"/>
               </a:solidFill>
               <a:prstDash val="sysDot"/>
               <a:tailEnd type="none" w="sm" len="sm"/>
@@ -17808,9 +18191,7 @@
             </a:prstGeom>
             <a:ln w="57150">
               <a:solidFill>
-                <a:schemeClr val="bg1">
-                  <a:lumMod val="65000"/>
-                </a:schemeClr>
+                <a:srgbClr val="002060"/>
               </a:solidFill>
               <a:prstDash val="sysDot"/>
               <a:tailEnd type="none" w="sm" len="sm"/>
@@ -17847,9 +18228,7 @@
             </a:prstGeom>
             <a:ln w="57150">
               <a:solidFill>
-                <a:schemeClr val="bg1">
-                  <a:lumMod val="65000"/>
-                </a:schemeClr>
+                <a:srgbClr val="002060"/>
               </a:solidFill>
               <a:prstDash val="sysDot"/>
               <a:tailEnd type="none" w="sm" len="sm"/>
@@ -17886,9 +18265,7 @@
             </a:prstGeom>
             <a:ln w="57150">
               <a:solidFill>
-                <a:schemeClr val="bg1">
-                  <a:lumMod val="65000"/>
-                </a:schemeClr>
+                <a:srgbClr val="002060"/>
               </a:solidFill>
               <a:prstDash val="sysDot"/>
               <a:tailEnd type="none" w="sm" len="sm"/>
@@ -17910,6 +18287,483 @@
           </p:style>
         </p:cxnSp>
       </p:grpSp>
+      <p:sp>
+        <p:nvSpPr>
+          <p:cNvPr id="165" name="TextBox 164"/>
+          <p:cNvSpPr txBox="1"/>
+          <p:nvPr/>
+        </p:nvSpPr>
+        <p:spPr>
+          <a:xfrm>
+            <a:off x="251521" y="179349"/>
+            <a:ext cx="9472850" cy="646331"/>
+          </a:xfrm>
+          <a:prstGeom prst="rect">
+            <a:avLst/>
+          </a:prstGeom>
+          <a:solidFill>
+            <a:schemeClr val="bg1">
+              <a:alpha val="50000"/>
+            </a:schemeClr>
+          </a:solidFill>
+        </p:spPr>
+        <p:txBody>
+          <a:bodyPr wrap="none" rtlCol="0">
+            <a:spAutoFit/>
+          </a:bodyPr>
+          <a:lstStyle/>
+          <a:p>
+            <a:r>
+              <a:rPr lang="en-US" altLang="ko-KR" b="1" dirty="0" smtClean="0"/>
+              <a:t>2</a:t>
+            </a:r>
+            <a:r>
+              <a:rPr lang="ko-KR" altLang="en-US" b="1" dirty="0" smtClean="0"/>
+              <a:t>차원 전개</a:t>
+            </a:r>
+            <a:r>
+              <a:rPr lang="en-US" altLang="ko-KR" b="1" dirty="0" smtClean="0"/>
+              <a:t>: </a:t>
+            </a:r>
+            <a:r>
+              <a:rPr lang="ko-KR" altLang="en-US" b="1" dirty="0" smtClean="0"/>
+              <a:t>내부</a:t>
+            </a:r>
+            <a:r>
+              <a:rPr lang="en-US" altLang="ko-KR" b="1" dirty="0" smtClean="0"/>
+              <a:t>/</a:t>
+            </a:r>
+            <a:r>
+              <a:rPr lang="ko-KR" altLang="en-US" b="1" dirty="0" smtClean="0"/>
+              <a:t>외부</a:t>
+            </a:r>
+            <a:r>
+              <a:rPr lang="en-US" altLang="ko-KR" b="1" dirty="0" smtClean="0"/>
+              <a:t> </a:t>
+            </a:r>
+            <a:r>
+              <a:rPr lang="en-US" altLang="ko-KR" b="1" dirty="0" smtClean="0"/>
+              <a:t>x WEB/WAS x </a:t>
+            </a:r>
+            <a:r>
+              <a:rPr lang="ko-KR" altLang="en-US" b="1" dirty="0" smtClean="0"/>
+              <a:t>클러스터</a:t>
+            </a:r>
+            <a:r>
+              <a:rPr lang="en-US" altLang="ko-KR" b="1" dirty="0" smtClean="0"/>
+              <a:t> x </a:t>
+            </a:r>
+            <a:r>
+              <a:rPr lang="ko-KR" altLang="en-US" b="1" dirty="0" smtClean="0"/>
+              <a:t>업무별 병렬 처리 </a:t>
+            </a:r>
+            <a:r>
+              <a:rPr lang="en-US" altLang="ko-KR" b="1" dirty="0" smtClean="0"/>
+              <a:t>x Target</a:t>
+            </a:r>
+            <a:r>
+              <a:rPr lang="ko-KR" altLang="en-US" b="1" dirty="0" smtClean="0"/>
+              <a:t>별 병렬 처리</a:t>
+            </a:r>
+            <a:endParaRPr lang="en-US" altLang="ko-KR" b="1" dirty="0" smtClean="0"/>
+          </a:p>
+          <a:p>
+            <a:r>
+              <a:rPr lang="ko-KR" altLang="en-US" b="1" dirty="0" smtClean="0"/>
+              <a:t> </a:t>
+            </a:r>
+            <a:r>
+              <a:rPr lang="en-US" altLang="ko-KR" b="1" dirty="0" smtClean="0"/>
+              <a:t>+ Join </a:t>
+            </a:r>
+            <a:r>
+              <a:rPr lang="ko-KR" altLang="en-US" b="1" dirty="0" smtClean="0"/>
+              <a:t>처리</a:t>
+            </a:r>
+            <a:r>
+              <a:rPr lang="ko-KR" altLang="en-US" b="1" dirty="0" smtClean="0"/>
+              <a:t> </a:t>
+            </a:r>
+            <a:r>
+              <a:rPr lang="en-US" altLang="ko-KR" b="1" dirty="0" smtClean="0"/>
+              <a:t>+ Lock </a:t>
+            </a:r>
+            <a:r>
+              <a:rPr lang="ko-KR" altLang="en-US" b="1" dirty="0" smtClean="0"/>
+              <a:t>처리 </a:t>
+            </a:r>
+            <a:r>
+              <a:rPr lang="en-US" altLang="ko-KR" b="1" dirty="0" smtClean="0"/>
+              <a:t>+ Block </a:t>
+            </a:r>
+            <a:r>
+              <a:rPr lang="ko-KR" altLang="en-US" b="1" dirty="0" smtClean="0"/>
+              <a:t>처리</a:t>
+            </a:r>
+            <a:endParaRPr lang="ko-KR" altLang="en-US" b="1" dirty="0"/>
+          </a:p>
+        </p:txBody>
+      </p:sp>
+      <p:pic>
+        <p:nvPicPr>
+          <p:cNvPr id="172" name="그림 171"/>
+          <p:cNvPicPr>
+            <a:picLocks noChangeAspect="1"/>
+          </p:cNvPicPr>
+          <p:nvPr/>
+        </p:nvPicPr>
+        <p:blipFill>
+          <a:blip r:embed="rId2" cstate="print">
+            <a:extLst>
+              <a:ext uri="{28A0092B-C50C-407E-A947-70E740481C1C}">
+                <a14:useLocalDpi xmlns:a14="http://schemas.microsoft.com/office/drawing/2010/main" xmlns="" val="0"/>
+              </a:ext>
+            </a:extLst>
+          </a:blip>
+          <a:stretch>
+            <a:fillRect/>
+          </a:stretch>
+        </p:blipFill>
+        <p:spPr>
+          <a:xfrm>
+            <a:off x="6098003" y="4470822"/>
+            <a:ext cx="531684" cy="624043"/>
+          </a:xfrm>
+          <a:prstGeom prst="rect">
+            <a:avLst/>
+          </a:prstGeom>
+        </p:spPr>
+      </p:pic>
+      <p:pic>
+        <p:nvPicPr>
+          <p:cNvPr id="173" name="그림 172"/>
+          <p:cNvPicPr>
+            <a:picLocks noChangeAspect="1"/>
+          </p:cNvPicPr>
+          <p:nvPr/>
+        </p:nvPicPr>
+        <p:blipFill>
+          <a:blip r:embed="rId2" cstate="print">
+            <a:extLst>
+              <a:ext uri="{28A0092B-C50C-407E-A947-70E740481C1C}">
+                <a14:useLocalDpi xmlns:a14="http://schemas.microsoft.com/office/drawing/2010/main" xmlns="" val="0"/>
+              </a:ext>
+            </a:extLst>
+          </a:blip>
+          <a:stretch>
+            <a:fillRect/>
+          </a:stretch>
+        </p:blipFill>
+        <p:spPr>
+          <a:xfrm>
+            <a:off x="1208584" y="4439752"/>
+            <a:ext cx="531684" cy="624043"/>
+          </a:xfrm>
+          <a:prstGeom prst="rect">
+            <a:avLst/>
+          </a:prstGeom>
+        </p:spPr>
+      </p:pic>
+      <p:pic>
+        <p:nvPicPr>
+          <p:cNvPr id="174" name="그림 173"/>
+          <p:cNvPicPr>
+            <a:picLocks noChangeAspect="1"/>
+          </p:cNvPicPr>
+          <p:nvPr/>
+        </p:nvPicPr>
+        <p:blipFill>
+          <a:blip r:embed="rId2" cstate="print">
+            <a:extLst>
+              <a:ext uri="{28A0092B-C50C-407E-A947-70E740481C1C}">
+                <a14:useLocalDpi xmlns:a14="http://schemas.microsoft.com/office/drawing/2010/main" xmlns="" val="0"/>
+              </a:ext>
+            </a:extLst>
+          </a:blip>
+          <a:stretch>
+            <a:fillRect/>
+          </a:stretch>
+        </p:blipFill>
+        <p:spPr>
+          <a:xfrm>
+            <a:off x="6113504" y="3435670"/>
+            <a:ext cx="531684" cy="624043"/>
+          </a:xfrm>
+          <a:prstGeom prst="rect">
+            <a:avLst/>
+          </a:prstGeom>
+        </p:spPr>
+      </p:pic>
+      <p:pic>
+        <p:nvPicPr>
+          <p:cNvPr id="175" name="그림 174"/>
+          <p:cNvPicPr>
+            <a:picLocks noChangeAspect="1"/>
+          </p:cNvPicPr>
+          <p:nvPr/>
+        </p:nvPicPr>
+        <p:blipFill>
+          <a:blip r:embed="rId2" cstate="print">
+            <a:extLst>
+              <a:ext uri="{28A0092B-C50C-407E-A947-70E740481C1C}">
+                <a14:useLocalDpi xmlns:a14="http://schemas.microsoft.com/office/drawing/2010/main" xmlns="" val="0"/>
+              </a:ext>
+            </a:extLst>
+          </a:blip>
+          <a:stretch>
+            <a:fillRect/>
+          </a:stretch>
+        </p:blipFill>
+        <p:spPr>
+          <a:xfrm>
+            <a:off x="1224085" y="3404600"/>
+            <a:ext cx="531684" cy="624043"/>
+          </a:xfrm>
+          <a:prstGeom prst="rect">
+            <a:avLst/>
+          </a:prstGeom>
+        </p:spPr>
+      </p:pic>
+      <p:pic>
+        <p:nvPicPr>
+          <p:cNvPr id="176" name="그림 175"/>
+          <p:cNvPicPr>
+            <a:picLocks noChangeAspect="1"/>
+          </p:cNvPicPr>
+          <p:nvPr/>
+        </p:nvPicPr>
+        <p:blipFill>
+          <a:blip r:embed="rId3" cstate="print">
+            <a:extLst>
+              <a:ext uri="{28A0092B-C50C-407E-A947-70E740481C1C}">
+                <a14:useLocalDpi xmlns:a14="http://schemas.microsoft.com/office/drawing/2010/main" xmlns="" val="0"/>
+              </a:ext>
+            </a:extLst>
+          </a:blip>
+          <a:stretch>
+            <a:fillRect/>
+          </a:stretch>
+        </p:blipFill>
+        <p:spPr>
+          <a:xfrm>
+            <a:off x="2512398" y="5368787"/>
+            <a:ext cx="594449" cy="466048"/>
+          </a:xfrm>
+          <a:prstGeom prst="rect">
+            <a:avLst/>
+          </a:prstGeom>
+        </p:spPr>
+      </p:pic>
+      <p:pic>
+        <p:nvPicPr>
+          <p:cNvPr id="177" name="그림 176"/>
+          <p:cNvPicPr>
+            <a:picLocks noChangeAspect="1"/>
+          </p:cNvPicPr>
+          <p:nvPr/>
+        </p:nvPicPr>
+        <p:blipFill>
+          <a:blip r:embed="rId3" cstate="print">
+            <a:extLst>
+              <a:ext uri="{28A0092B-C50C-407E-A947-70E740481C1C}">
+                <a14:useLocalDpi xmlns:a14="http://schemas.microsoft.com/office/drawing/2010/main" xmlns="" val="0"/>
+              </a:ext>
+            </a:extLst>
+          </a:blip>
+          <a:stretch>
+            <a:fillRect/>
+          </a:stretch>
+        </p:blipFill>
+        <p:spPr>
+          <a:xfrm>
+            <a:off x="2512398" y="4326886"/>
+            <a:ext cx="594449" cy="466048"/>
+          </a:xfrm>
+          <a:prstGeom prst="rect">
+            <a:avLst/>
+          </a:prstGeom>
+        </p:spPr>
+      </p:pic>
+      <p:pic>
+        <p:nvPicPr>
+          <p:cNvPr id="178" name="그림 177"/>
+          <p:cNvPicPr>
+            <a:picLocks noChangeAspect="1"/>
+          </p:cNvPicPr>
+          <p:nvPr/>
+        </p:nvPicPr>
+        <p:blipFill>
+          <a:blip r:embed="rId3" cstate="print">
+            <a:extLst>
+              <a:ext uri="{28A0092B-C50C-407E-A947-70E740481C1C}">
+                <a14:useLocalDpi xmlns:a14="http://schemas.microsoft.com/office/drawing/2010/main" xmlns="" val="0"/>
+              </a:ext>
+            </a:extLst>
+          </a:blip>
+          <a:stretch>
+            <a:fillRect/>
+          </a:stretch>
+        </p:blipFill>
+        <p:spPr>
+          <a:xfrm>
+            <a:off x="3755181" y="3978767"/>
+            <a:ext cx="594449" cy="466048"/>
+          </a:xfrm>
+          <a:prstGeom prst="rect">
+            <a:avLst/>
+          </a:prstGeom>
+        </p:spPr>
+      </p:pic>
+      <p:pic>
+        <p:nvPicPr>
+          <p:cNvPr id="179" name="그림 178"/>
+          <p:cNvPicPr>
+            <a:picLocks noChangeAspect="1"/>
+          </p:cNvPicPr>
+          <p:nvPr/>
+        </p:nvPicPr>
+        <p:blipFill>
+          <a:blip r:embed="rId3" cstate="print">
+            <a:extLst>
+              <a:ext uri="{28A0092B-C50C-407E-A947-70E740481C1C}">
+                <a14:useLocalDpi xmlns:a14="http://schemas.microsoft.com/office/drawing/2010/main" xmlns="" val="0"/>
+              </a:ext>
+            </a:extLst>
+          </a:blip>
+          <a:stretch>
+            <a:fillRect/>
+          </a:stretch>
+        </p:blipFill>
+        <p:spPr>
+          <a:xfrm>
+            <a:off x="3755181" y="2936866"/>
+            <a:ext cx="594449" cy="466048"/>
+          </a:xfrm>
+          <a:prstGeom prst="rect">
+            <a:avLst/>
+          </a:prstGeom>
+        </p:spPr>
+      </p:pic>
+      <p:pic>
+        <p:nvPicPr>
+          <p:cNvPr id="186" name="그림 185"/>
+          <p:cNvPicPr>
+            <a:picLocks noChangeAspect="1"/>
+          </p:cNvPicPr>
+          <p:nvPr/>
+        </p:nvPicPr>
+        <p:blipFill>
+          <a:blip r:embed="rId3" cstate="print">
+            <a:extLst>
+              <a:ext uri="{28A0092B-C50C-407E-A947-70E740481C1C}">
+                <a14:useLocalDpi xmlns:a14="http://schemas.microsoft.com/office/drawing/2010/main" xmlns="" val="0"/>
+              </a:ext>
+            </a:extLst>
+          </a:blip>
+          <a:stretch>
+            <a:fillRect/>
+          </a:stretch>
+        </p:blipFill>
+        <p:spPr>
+          <a:xfrm>
+            <a:off x="7367826" y="2667432"/>
+            <a:ext cx="594449" cy="466048"/>
+          </a:xfrm>
+          <a:prstGeom prst="rect">
+            <a:avLst/>
+          </a:prstGeom>
+        </p:spPr>
+      </p:pic>
+      <p:pic>
+        <p:nvPicPr>
+          <p:cNvPr id="187" name="그림 186"/>
+          <p:cNvPicPr>
+            <a:picLocks noChangeAspect="1"/>
+          </p:cNvPicPr>
+          <p:nvPr/>
+        </p:nvPicPr>
+        <p:blipFill>
+          <a:blip r:embed="rId3" cstate="print">
+            <a:extLst>
+              <a:ext uri="{28A0092B-C50C-407E-A947-70E740481C1C}">
+                <a14:useLocalDpi xmlns:a14="http://schemas.microsoft.com/office/drawing/2010/main" xmlns="" val="0"/>
+              </a:ext>
+            </a:extLst>
+          </a:blip>
+          <a:stretch>
+            <a:fillRect/>
+          </a:stretch>
+        </p:blipFill>
+        <p:spPr>
+          <a:xfrm>
+            <a:off x="-1095672" y="2598693"/>
+            <a:ext cx="594449" cy="466048"/>
+          </a:xfrm>
+          <a:prstGeom prst="rect">
+            <a:avLst/>
+          </a:prstGeom>
+        </p:spPr>
+      </p:pic>
+      <p:pic>
+        <p:nvPicPr>
+          <p:cNvPr id="188" name="그림 187"/>
+          <p:cNvPicPr>
+            <a:picLocks noChangeAspect="1"/>
+          </p:cNvPicPr>
+          <p:nvPr/>
+        </p:nvPicPr>
+        <p:blipFill>
+          <a:blip r:embed="rId3" cstate="print">
+            <a:extLst>
+              <a:ext uri="{28A0092B-C50C-407E-A947-70E740481C1C}">
+                <a14:useLocalDpi xmlns:a14="http://schemas.microsoft.com/office/drawing/2010/main" xmlns="" val="0"/>
+              </a:ext>
+            </a:extLst>
+          </a:blip>
+          <a:stretch>
+            <a:fillRect/>
+          </a:stretch>
+        </p:blipFill>
+        <p:spPr>
+          <a:xfrm>
+            <a:off x="596516" y="2614948"/>
+            <a:ext cx="594449" cy="466048"/>
+          </a:xfrm>
+          <a:prstGeom prst="rect">
+            <a:avLst/>
+          </a:prstGeom>
+        </p:spPr>
+      </p:pic>
+      <p:pic>
+        <p:nvPicPr>
+          <p:cNvPr id="189" name="그림 188"/>
+          <p:cNvPicPr>
+            <a:picLocks noChangeAspect="1"/>
+          </p:cNvPicPr>
+          <p:nvPr/>
+        </p:nvPicPr>
+        <p:blipFill>
+          <a:blip r:embed="rId3" cstate="print">
+            <a:extLst>
+              <a:ext uri="{28A0092B-C50C-407E-A947-70E740481C1C}">
+                <a14:useLocalDpi xmlns:a14="http://schemas.microsoft.com/office/drawing/2010/main" xmlns="" val="0"/>
+              </a:ext>
+            </a:extLst>
+          </a:blip>
+          <a:stretch>
+            <a:fillRect/>
+          </a:stretch>
+        </p:blipFill>
+        <p:spPr>
+          <a:xfrm>
+            <a:off x="2792760" y="2650952"/>
+            <a:ext cx="594449" cy="466048"/>
+          </a:xfrm>
+          <a:prstGeom prst="rect">
+            <a:avLst/>
+          </a:prstGeom>
+        </p:spPr>
+      </p:pic>
     </p:spTree>
     <p:extLst>
       <p:ext uri="{BB962C8B-B14F-4D97-AF65-F5344CB8AC3E}">
@@ -17949,13 +18803,13 @@
       </p:grpSpPr>
       <p:grpSp>
         <p:nvGrpSpPr>
-          <p:cNvPr id="73" name="그룹 72"/>
+          <p:cNvPr id="2" name="그룹 72"/>
           <p:cNvGrpSpPr/>
           <p:nvPr/>
         </p:nvGrpSpPr>
         <p:grpSpPr>
           <a:xfrm>
-            <a:off x="-1692696" y="-1055384"/>
+            <a:off x="-1692695" y="-1055384"/>
             <a:ext cx="13203067" cy="7580728"/>
             <a:chOff x="-1692696" y="-1055384"/>
             <a:chExt cx="13203067" cy="7580728"/>
@@ -17970,7 +18824,7 @@
         </p:grpSpPr>
         <p:grpSp>
           <p:nvGrpSpPr>
-            <p:cNvPr id="76" name="그룹 75"/>
+            <p:cNvPr id="3" name="그룹 75"/>
             <p:cNvGrpSpPr/>
             <p:nvPr/>
           </p:nvGrpSpPr>
@@ -18824,7 +19678,7 @@
         </p:grpSp>
         <p:grpSp>
           <p:nvGrpSpPr>
-            <p:cNvPr id="95" name="그룹 94"/>
+            <p:cNvPr id="4" name="그룹 94"/>
             <p:cNvGrpSpPr/>
             <p:nvPr/>
           </p:nvGrpSpPr>
@@ -19268,7 +20122,7 @@
         </p:cxnSp>
         <p:grpSp>
           <p:nvGrpSpPr>
-            <p:cNvPr id="99" name="그룹 98"/>
+            <p:cNvPr id="5" name="그룹 98"/>
             <p:cNvGrpSpPr/>
             <p:nvPr/>
           </p:nvGrpSpPr>
@@ -19711,7 +20565,7 @@
         </p:cxnSp>
         <p:grpSp>
           <p:nvGrpSpPr>
-            <p:cNvPr id="103" name="그룹 102"/>
+            <p:cNvPr id="6" name="그룹 102"/>
             <p:cNvGrpSpPr/>
             <p:nvPr/>
           </p:nvGrpSpPr>
@@ -20035,7 +20889,7 @@
         </p:cxnSp>
         <p:grpSp>
           <p:nvGrpSpPr>
-            <p:cNvPr id="106" name="그룹 105"/>
+            <p:cNvPr id="7" name="그룹 105"/>
             <p:cNvGrpSpPr/>
             <p:nvPr/>
           </p:nvGrpSpPr>
@@ -20401,7 +21255,7 @@
         </p:nvCxnSpPr>
         <p:spPr>
           <a:xfrm>
-            <a:off x="2225643" y="5297878"/>
+            <a:off x="2225644" y="5297878"/>
             <a:ext cx="3487" cy="613184"/>
           </a:xfrm>
           <a:prstGeom prst="line">
@@ -20409,9 +21263,7 @@
           </a:prstGeom>
           <a:ln w="57150">
             <a:solidFill>
-              <a:schemeClr val="bg1">
-                <a:lumMod val="65000"/>
-              </a:schemeClr>
+              <a:srgbClr val="FF0000"/>
             </a:solidFill>
             <a:prstDash val="sysDot"/>
             <a:tailEnd type="none" w="sm" len="sm"/>
@@ -20448,9 +21300,7 @@
           </a:prstGeom>
           <a:ln w="57150">
             <a:solidFill>
-              <a:schemeClr val="bg1">
-                <a:lumMod val="65000"/>
-              </a:schemeClr>
+              <a:srgbClr val="FF0000"/>
             </a:solidFill>
             <a:prstDash val="sysDot"/>
             <a:tailEnd type="none" w="sm" len="sm"/>
@@ -20479,7 +21329,7 @@
         </p:nvCxnSpPr>
         <p:spPr>
           <a:xfrm>
-            <a:off x="6740549" y="2562734"/>
+            <a:off x="6740550" y="2562734"/>
             <a:ext cx="3487" cy="613184"/>
           </a:xfrm>
           <a:prstGeom prst="line">
@@ -20487,9 +21337,7 @@
           </a:prstGeom>
           <a:ln w="57150">
             <a:solidFill>
-              <a:schemeClr val="bg1">
-                <a:lumMod val="65000"/>
-              </a:schemeClr>
+              <a:srgbClr val="FF0000"/>
             </a:solidFill>
             <a:prstDash val="sysDot"/>
             <a:tailEnd type="none" w="sm" len="sm"/>
@@ -20526,9 +21374,7 @@
           </a:prstGeom>
           <a:ln w="57150">
             <a:solidFill>
-              <a:schemeClr val="bg1">
-                <a:lumMod val="65000"/>
-              </a:schemeClr>
+              <a:srgbClr val="FF0000"/>
             </a:solidFill>
             <a:prstDash val="sysDot"/>
             <a:tailEnd type="none" w="sm" len="sm"/>
@@ -20565,9 +21411,7 @@
           </a:prstGeom>
           <a:ln w="57150">
             <a:solidFill>
-              <a:schemeClr val="bg1">
-                <a:lumMod val="65000"/>
-              </a:schemeClr>
+              <a:srgbClr val="FF0000"/>
             </a:solidFill>
             <a:prstDash val="sysDot"/>
             <a:tailEnd type="none" w="sm" len="sm"/>
@@ -20604,9 +21448,7 @@
           </a:prstGeom>
           <a:ln w="57150">
             <a:solidFill>
-              <a:schemeClr val="bg1">
-                <a:lumMod val="65000"/>
-              </a:schemeClr>
+              <a:srgbClr val="FF0000"/>
             </a:solidFill>
             <a:prstDash val="sysDot"/>
             <a:tailEnd type="none" w="sm" len="sm"/>
@@ -20629,13 +21471,13 @@
       </p:cxnSp>
       <p:grpSp>
         <p:nvGrpSpPr>
-          <p:cNvPr id="374" name="그룹 373"/>
+          <p:cNvPr id="8" name="그룹 373"/>
           <p:cNvGrpSpPr/>
           <p:nvPr/>
         </p:nvGrpSpPr>
         <p:grpSpPr>
           <a:xfrm>
-            <a:off x="-1718299" y="-2063496"/>
+            <a:off x="-1718298" y="-2063496"/>
             <a:ext cx="13203067" cy="7580728"/>
             <a:chOff x="-1692696" y="-1055384"/>
             <a:chExt cx="13203067" cy="7580728"/>
@@ -20650,7 +21492,7 @@
         </p:grpSpPr>
         <p:grpSp>
           <p:nvGrpSpPr>
-            <p:cNvPr id="375" name="그룹 374"/>
+            <p:cNvPr id="9" name="그룹 374"/>
             <p:cNvGrpSpPr/>
             <p:nvPr/>
           </p:nvGrpSpPr>
@@ -21572,7 +22414,7 @@
         </p:grpSp>
         <p:grpSp>
           <p:nvGrpSpPr>
-            <p:cNvPr id="376" name="그룹 375"/>
+            <p:cNvPr id="10" name="그룹 375"/>
             <p:cNvGrpSpPr/>
             <p:nvPr/>
           </p:nvGrpSpPr>
@@ -22056,7 +22898,7 @@
         </p:cxnSp>
         <p:grpSp>
           <p:nvGrpSpPr>
-            <p:cNvPr id="379" name="그룹 378"/>
+            <p:cNvPr id="11" name="그룹 378"/>
             <p:cNvGrpSpPr/>
             <p:nvPr/>
           </p:nvGrpSpPr>
@@ -22539,7 +23381,7 @@
         </p:cxnSp>
         <p:grpSp>
           <p:nvGrpSpPr>
-            <p:cNvPr id="381" name="그룹 380"/>
+            <p:cNvPr id="12" name="그룹 380"/>
             <p:cNvGrpSpPr/>
             <p:nvPr/>
           </p:nvGrpSpPr>
@@ -22867,7 +23709,7 @@
         </p:cxnSp>
         <p:grpSp>
           <p:nvGrpSpPr>
-            <p:cNvPr id="384" name="그룹 383"/>
+            <p:cNvPr id="13" name="그룹 383"/>
             <p:cNvGrpSpPr/>
             <p:nvPr/>
           </p:nvGrpSpPr>
@@ -23269,9 +24111,7 @@
           </a:prstGeom>
           <a:ln w="57150">
             <a:solidFill>
-              <a:schemeClr val="bg1">
-                <a:lumMod val="65000"/>
-              </a:schemeClr>
+              <a:srgbClr val="FF0000"/>
             </a:solidFill>
             <a:prstDash val="sysDot"/>
             <a:tailEnd type="none" w="sm" len="sm"/>
@@ -23300,7 +24140,7 @@
         </p:nvCxnSpPr>
         <p:spPr>
           <a:xfrm>
-            <a:off x="6728753" y="1556792"/>
+            <a:off x="6728754" y="1556792"/>
             <a:ext cx="3487" cy="613184"/>
           </a:xfrm>
           <a:prstGeom prst="line">
@@ -23308,9 +24148,7 @@
           </a:prstGeom>
           <a:ln w="57150">
             <a:solidFill>
-              <a:schemeClr val="bg1">
-                <a:lumMod val="65000"/>
-              </a:schemeClr>
+              <a:srgbClr val="FF0000"/>
             </a:solidFill>
             <a:prstDash val="sysDot"/>
             <a:tailEnd type="none" w="sm" len="sm"/>
@@ -23347,9 +24185,7 @@
           </a:prstGeom>
           <a:ln w="57150">
             <a:solidFill>
-              <a:schemeClr val="bg1">
-                <a:lumMod val="65000"/>
-              </a:schemeClr>
+              <a:srgbClr val="FF0000"/>
             </a:solidFill>
             <a:prstDash val="sysDot"/>
             <a:tailEnd type="none" w="sm" len="sm"/>
@@ -23386,9 +24222,7 @@
           </a:prstGeom>
           <a:ln w="57150">
             <a:solidFill>
-              <a:schemeClr val="bg1">
-                <a:lumMod val="65000"/>
-              </a:schemeClr>
+              <a:srgbClr val="FF0000"/>
             </a:solidFill>
             <a:prstDash val="sysDot"/>
             <a:tailEnd type="none" w="sm" len="sm"/>
@@ -23425,9 +24259,7 @@
           </a:prstGeom>
           <a:ln w="57150">
             <a:solidFill>
-              <a:schemeClr val="bg1">
-                <a:lumMod val="65000"/>
-              </a:schemeClr>
+              <a:srgbClr val="FF0000"/>
             </a:solidFill>
             <a:prstDash val="sysDot"/>
             <a:tailEnd type="none" w="sm" len="sm"/>
@@ -23464,9 +24296,7 @@
           </a:prstGeom>
           <a:ln w="57150">
             <a:solidFill>
-              <a:schemeClr val="bg1">
-                <a:lumMod val="65000"/>
-              </a:schemeClr>
+              <a:srgbClr val="FF0000"/>
             </a:solidFill>
             <a:prstDash val="sysDot"/>
             <a:tailEnd type="none" w="sm" len="sm"/>
@@ -23489,13 +24319,13 @@
       </p:cxnSp>
       <p:grpSp>
         <p:nvGrpSpPr>
-          <p:cNvPr id="233" name="그룹 232"/>
+          <p:cNvPr id="14" name="그룹 232"/>
           <p:cNvGrpSpPr/>
           <p:nvPr/>
         </p:nvGrpSpPr>
         <p:grpSpPr>
           <a:xfrm>
-            <a:off x="-1718299" y="-3051720"/>
+            <a:off x="-1718298" y="-3051720"/>
             <a:ext cx="13203067" cy="7580728"/>
             <a:chOff x="-1692696" y="-1055384"/>
             <a:chExt cx="13203067" cy="7580728"/>
@@ -23510,7 +24340,7 @@
         </p:grpSpPr>
         <p:grpSp>
           <p:nvGrpSpPr>
-            <p:cNvPr id="234" name="그룹 233"/>
+            <p:cNvPr id="15" name="그룹 233"/>
             <p:cNvGrpSpPr/>
             <p:nvPr/>
           </p:nvGrpSpPr>
@@ -24432,7 +25262,7 @@
         </p:grpSp>
         <p:grpSp>
           <p:nvGrpSpPr>
-            <p:cNvPr id="235" name="그룹 234"/>
+            <p:cNvPr id="16" name="그룹 234"/>
             <p:cNvGrpSpPr/>
             <p:nvPr/>
           </p:nvGrpSpPr>
@@ -24916,7 +25746,7 @@
         </p:cxnSp>
         <p:grpSp>
           <p:nvGrpSpPr>
-            <p:cNvPr id="237" name="그룹 236"/>
+            <p:cNvPr id="17" name="그룹 236"/>
             <p:cNvGrpSpPr/>
             <p:nvPr/>
           </p:nvGrpSpPr>
@@ -25399,7 +26229,7 @@
         </p:cxnSp>
         <p:grpSp>
           <p:nvGrpSpPr>
-            <p:cNvPr id="239" name="그룹 238"/>
+            <p:cNvPr id="18" name="그룹 238"/>
             <p:cNvGrpSpPr/>
             <p:nvPr/>
           </p:nvGrpSpPr>
@@ -25727,7 +26557,7 @@
         </p:cxnSp>
         <p:grpSp>
           <p:nvGrpSpPr>
-            <p:cNvPr id="242" name="그룹 241"/>
+            <p:cNvPr id="19" name="그룹 241"/>
             <p:cNvGrpSpPr/>
             <p:nvPr/>
           </p:nvGrpSpPr>
@@ -26115,13 +26945,13 @@
       </p:grpSp>
       <p:grpSp>
         <p:nvGrpSpPr>
-          <p:cNvPr id="197" name="그룹 196"/>
+          <p:cNvPr id="20" name="그룹 196"/>
           <p:cNvGrpSpPr/>
           <p:nvPr/>
         </p:nvGrpSpPr>
         <p:grpSpPr>
           <a:xfrm>
-            <a:off x="467544" y="2516471"/>
+            <a:off x="467545" y="2516473"/>
             <a:ext cx="7416824" cy="1416585"/>
             <a:chOff x="467544" y="3407132"/>
             <a:chExt cx="7416824" cy="1416585"/>
@@ -26143,9 +26973,7 @@
             </a:prstGeom>
             <a:ln w="57150">
               <a:solidFill>
-                <a:schemeClr val="bg1">
-                  <a:lumMod val="65000"/>
-                </a:schemeClr>
+                <a:srgbClr val="002060"/>
               </a:solidFill>
               <a:prstDash val="sysDot"/>
               <a:tailEnd type="none" w="sm" len="sm"/>
@@ -26182,9 +27010,7 @@
             </a:prstGeom>
             <a:ln w="57150">
               <a:solidFill>
-                <a:schemeClr val="bg1">
-                  <a:lumMod val="65000"/>
-                </a:schemeClr>
+                <a:srgbClr val="002060"/>
               </a:solidFill>
               <a:prstDash val="sysDot"/>
               <a:tailEnd type="none" w="sm" len="sm"/>
@@ -26221,9 +27047,7 @@
             </a:prstGeom>
             <a:ln w="57150">
               <a:solidFill>
-                <a:schemeClr val="bg1">
-                  <a:lumMod val="65000"/>
-                </a:schemeClr>
+                <a:srgbClr val="002060"/>
               </a:solidFill>
               <a:prstDash val="sysDot"/>
               <a:tailEnd type="none" w="sm" len="sm"/>
@@ -26260,9 +27084,7 @@
             </a:prstGeom>
             <a:ln w="57150">
               <a:solidFill>
-                <a:schemeClr val="bg1">
-                  <a:lumMod val="65000"/>
-                </a:schemeClr>
+                <a:srgbClr val="002060"/>
               </a:solidFill>
               <a:prstDash val="sysDot"/>
               <a:tailEnd type="none" w="sm" len="sm"/>
@@ -26299,9 +27121,7 @@
             </a:prstGeom>
             <a:ln w="57150">
               <a:solidFill>
-                <a:schemeClr val="bg1">
-                  <a:lumMod val="65000"/>
-                </a:schemeClr>
+                <a:srgbClr val="002060"/>
               </a:solidFill>
               <a:prstDash val="sysDot"/>
               <a:tailEnd type="none" w="sm" len="sm"/>
@@ -26338,9 +27158,7 @@
             </a:prstGeom>
             <a:ln w="57150">
               <a:solidFill>
-                <a:schemeClr val="bg1">
-                  <a:lumMod val="65000"/>
-                </a:schemeClr>
+                <a:srgbClr val="002060"/>
               </a:solidFill>
               <a:prstDash val="sysDot"/>
               <a:tailEnd type="none" w="sm" len="sm"/>
@@ -26364,13 +27182,13 @@
       </p:grpSp>
       <p:grpSp>
         <p:nvGrpSpPr>
-          <p:cNvPr id="204" name="그룹 203"/>
+          <p:cNvPr id="21" name="그룹 203"/>
           <p:cNvGrpSpPr/>
           <p:nvPr/>
         </p:nvGrpSpPr>
         <p:grpSpPr>
           <a:xfrm>
-            <a:off x="467544" y="3452575"/>
+            <a:off x="467545" y="3452577"/>
             <a:ext cx="7416824" cy="1416585"/>
             <a:chOff x="467544" y="3407132"/>
             <a:chExt cx="7416824" cy="1416585"/>
@@ -26392,9 +27210,7 @@
             </a:prstGeom>
             <a:ln w="57150">
               <a:solidFill>
-                <a:schemeClr val="bg1">
-                  <a:lumMod val="65000"/>
-                </a:schemeClr>
+                <a:srgbClr val="002060"/>
               </a:solidFill>
               <a:prstDash val="sysDot"/>
               <a:tailEnd type="none" w="sm" len="sm"/>
@@ -26431,9 +27247,7 @@
             </a:prstGeom>
             <a:ln w="57150">
               <a:solidFill>
-                <a:schemeClr val="bg1">
-                  <a:lumMod val="65000"/>
-                </a:schemeClr>
+                <a:srgbClr val="002060"/>
               </a:solidFill>
               <a:prstDash val="sysDot"/>
               <a:tailEnd type="none" w="sm" len="sm"/>
@@ -26470,9 +27284,7 @@
             </a:prstGeom>
             <a:ln w="57150">
               <a:solidFill>
-                <a:schemeClr val="bg1">
-                  <a:lumMod val="65000"/>
-                </a:schemeClr>
+                <a:srgbClr val="002060"/>
               </a:solidFill>
               <a:prstDash val="sysDot"/>
               <a:tailEnd type="none" w="sm" len="sm"/>
@@ -26509,9 +27321,7 @@
             </a:prstGeom>
             <a:ln w="57150">
               <a:solidFill>
-                <a:schemeClr val="bg1">
-                  <a:lumMod val="65000"/>
-                </a:schemeClr>
+                <a:srgbClr val="002060"/>
               </a:solidFill>
               <a:prstDash val="sysDot"/>
               <a:tailEnd type="none" w="sm" len="sm"/>
@@ -26548,9 +27358,7 @@
             </a:prstGeom>
             <a:ln w="57150">
               <a:solidFill>
-                <a:schemeClr val="bg1">
-                  <a:lumMod val="65000"/>
-                </a:schemeClr>
+                <a:srgbClr val="002060"/>
               </a:solidFill>
               <a:prstDash val="sysDot"/>
               <a:tailEnd type="none" w="sm" len="sm"/>
@@ -26587,9 +27395,7 @@
             </a:prstGeom>
             <a:ln w="57150">
               <a:solidFill>
-                <a:schemeClr val="bg1">
-                  <a:lumMod val="65000"/>
-                </a:schemeClr>
+                <a:srgbClr val="002060"/>
               </a:solidFill>
               <a:prstDash val="sysDot"/>
               <a:tailEnd type="none" w="sm" len="sm"/>
@@ -26613,13 +27419,13 @@
       </p:grpSp>
       <p:grpSp>
         <p:nvGrpSpPr>
-          <p:cNvPr id="211" name="그룹 210"/>
+          <p:cNvPr id="22" name="그룹 210"/>
           <p:cNvGrpSpPr/>
           <p:nvPr/>
         </p:nvGrpSpPr>
         <p:grpSpPr>
           <a:xfrm>
-            <a:off x="395536" y="1436351"/>
+            <a:off x="395536" y="1436353"/>
             <a:ext cx="7416824" cy="1416585"/>
             <a:chOff x="467544" y="3407132"/>
             <a:chExt cx="7416824" cy="1416585"/>
@@ -26641,9 +27447,7 @@
             </a:prstGeom>
             <a:ln w="57150">
               <a:solidFill>
-                <a:schemeClr val="bg1">
-                  <a:lumMod val="65000"/>
-                </a:schemeClr>
+                <a:srgbClr val="002060"/>
               </a:solidFill>
               <a:prstDash val="sysDot"/>
               <a:tailEnd type="none" w="sm" len="sm"/>
@@ -26680,9 +27484,7 @@
             </a:prstGeom>
             <a:ln w="57150">
               <a:solidFill>
-                <a:schemeClr val="bg1">
-                  <a:lumMod val="65000"/>
-                </a:schemeClr>
+                <a:srgbClr val="002060"/>
               </a:solidFill>
               <a:prstDash val="sysDot"/>
               <a:tailEnd type="none" w="sm" len="sm"/>
@@ -26719,9 +27521,7 @@
             </a:prstGeom>
             <a:ln w="57150">
               <a:solidFill>
-                <a:schemeClr val="bg1">
-                  <a:lumMod val="65000"/>
-                </a:schemeClr>
+                <a:srgbClr val="002060"/>
               </a:solidFill>
               <a:prstDash val="sysDot"/>
               <a:tailEnd type="none" w="sm" len="sm"/>
@@ -26758,9 +27558,7 @@
             </a:prstGeom>
             <a:ln w="57150">
               <a:solidFill>
-                <a:schemeClr val="bg1">
-                  <a:lumMod val="65000"/>
-                </a:schemeClr>
+                <a:srgbClr val="002060"/>
               </a:solidFill>
               <a:prstDash val="sysDot"/>
               <a:tailEnd type="none" w="sm" len="sm"/>
@@ -26797,9 +27595,7 @@
             </a:prstGeom>
             <a:ln w="57150">
               <a:solidFill>
-                <a:schemeClr val="bg1">
-                  <a:lumMod val="65000"/>
-                </a:schemeClr>
+                <a:srgbClr val="002060"/>
               </a:solidFill>
               <a:prstDash val="sysDot"/>
               <a:tailEnd type="none" w="sm" len="sm"/>
@@ -26836,9 +27632,7 @@
             </a:prstGeom>
             <a:ln w="57150">
               <a:solidFill>
-                <a:schemeClr val="bg1">
-                  <a:lumMod val="65000"/>
-                </a:schemeClr>
+                <a:srgbClr val="002060"/>
               </a:solidFill>
               <a:prstDash val="sysDot"/>
               <a:tailEnd type="none" w="sm" len="sm"/>
@@ -26860,6 +27654,663 @@
           </p:style>
         </p:cxnSp>
       </p:grpSp>
+      <p:sp>
+        <p:nvSpPr>
+          <p:cNvPr id="218" name="TextBox 217"/>
+          <p:cNvSpPr txBox="1"/>
+          <p:nvPr/>
+        </p:nvSpPr>
+        <p:spPr>
+          <a:xfrm>
+            <a:off x="251521" y="179349"/>
+            <a:ext cx="9472850" cy="646331"/>
+          </a:xfrm>
+          <a:prstGeom prst="rect">
+            <a:avLst/>
+          </a:prstGeom>
+          <a:solidFill>
+            <a:schemeClr val="bg1">
+              <a:alpha val="50000"/>
+            </a:schemeClr>
+          </a:solidFill>
+        </p:spPr>
+        <p:txBody>
+          <a:bodyPr wrap="none" rtlCol="0">
+            <a:spAutoFit/>
+          </a:bodyPr>
+          <a:lstStyle/>
+          <a:p>
+            <a:r>
+              <a:rPr lang="en-US" altLang="ko-KR" b="1" dirty="0" smtClean="0"/>
+              <a:t>2</a:t>
+            </a:r>
+            <a:r>
+              <a:rPr lang="ko-KR" altLang="en-US" b="1" dirty="0" smtClean="0"/>
+              <a:t>차원 전개</a:t>
+            </a:r>
+            <a:r>
+              <a:rPr lang="en-US" altLang="ko-KR" b="1" dirty="0" smtClean="0"/>
+              <a:t>: </a:t>
+            </a:r>
+            <a:r>
+              <a:rPr lang="ko-KR" altLang="en-US" b="1" dirty="0" smtClean="0"/>
+              <a:t>내부</a:t>
+            </a:r>
+            <a:r>
+              <a:rPr lang="en-US" altLang="ko-KR" b="1" dirty="0" smtClean="0"/>
+              <a:t>/</a:t>
+            </a:r>
+            <a:r>
+              <a:rPr lang="ko-KR" altLang="en-US" b="1" dirty="0" smtClean="0"/>
+              <a:t>외부</a:t>
+            </a:r>
+            <a:r>
+              <a:rPr lang="en-US" altLang="ko-KR" b="1" dirty="0" smtClean="0"/>
+              <a:t> </a:t>
+            </a:r>
+            <a:r>
+              <a:rPr lang="en-US" altLang="ko-KR" b="1" dirty="0" smtClean="0"/>
+              <a:t>x WEB/WAS x </a:t>
+            </a:r>
+            <a:r>
+              <a:rPr lang="ko-KR" altLang="en-US" b="1" dirty="0" smtClean="0"/>
+              <a:t>클러스터</a:t>
+            </a:r>
+            <a:r>
+              <a:rPr lang="en-US" altLang="ko-KR" b="1" dirty="0" smtClean="0"/>
+              <a:t> x </a:t>
+            </a:r>
+            <a:r>
+              <a:rPr lang="ko-KR" altLang="en-US" b="1" dirty="0" smtClean="0"/>
+              <a:t>업무별 병렬 처리 </a:t>
+            </a:r>
+            <a:r>
+              <a:rPr lang="en-US" altLang="ko-KR" b="1" dirty="0" smtClean="0"/>
+              <a:t>x Target</a:t>
+            </a:r>
+            <a:r>
+              <a:rPr lang="ko-KR" altLang="en-US" b="1" dirty="0" smtClean="0"/>
+              <a:t>별 병렬 처리</a:t>
+            </a:r>
+            <a:endParaRPr lang="en-US" altLang="ko-KR" b="1" dirty="0" smtClean="0"/>
+          </a:p>
+          <a:p>
+            <a:r>
+              <a:rPr lang="ko-KR" altLang="en-US" b="1" dirty="0" smtClean="0"/>
+              <a:t> </a:t>
+            </a:r>
+            <a:r>
+              <a:rPr lang="en-US" altLang="ko-KR" b="1" dirty="0" smtClean="0"/>
+              <a:t>+ Join </a:t>
+            </a:r>
+            <a:r>
+              <a:rPr lang="ko-KR" altLang="en-US" b="1" dirty="0" smtClean="0"/>
+              <a:t>처리</a:t>
+            </a:r>
+            <a:r>
+              <a:rPr lang="ko-KR" altLang="en-US" b="1" dirty="0" smtClean="0"/>
+              <a:t> </a:t>
+            </a:r>
+            <a:r>
+              <a:rPr lang="en-US" altLang="ko-KR" b="1" dirty="0" smtClean="0"/>
+              <a:t>+ Lock </a:t>
+            </a:r>
+            <a:r>
+              <a:rPr lang="ko-KR" altLang="en-US" b="1" dirty="0" smtClean="0"/>
+              <a:t>처리 </a:t>
+            </a:r>
+            <a:r>
+              <a:rPr lang="en-US" altLang="ko-KR" b="1" dirty="0" smtClean="0"/>
+              <a:t>+ Block </a:t>
+            </a:r>
+            <a:r>
+              <a:rPr lang="ko-KR" altLang="en-US" b="1" dirty="0" smtClean="0"/>
+              <a:t>처리</a:t>
+            </a:r>
+            <a:endParaRPr lang="ko-KR" altLang="en-US" b="1" dirty="0"/>
+          </a:p>
+        </p:txBody>
+      </p:sp>
+      <p:pic>
+        <p:nvPicPr>
+          <p:cNvPr id="219" name="그림 218"/>
+          <p:cNvPicPr>
+            <a:picLocks noChangeAspect="1"/>
+          </p:cNvPicPr>
+          <p:nvPr/>
+        </p:nvPicPr>
+        <p:blipFill>
+          <a:blip r:embed="rId2" cstate="print">
+            <a:extLst>
+              <a:ext uri="{28A0092B-C50C-407E-A947-70E740481C1C}">
+                <a14:useLocalDpi xmlns:a14="http://schemas.microsoft.com/office/drawing/2010/main" xmlns="" val="0"/>
+              </a:ext>
+            </a:extLst>
+          </a:blip>
+          <a:stretch>
+            <a:fillRect/>
+          </a:stretch>
+        </p:blipFill>
+        <p:spPr>
+          <a:xfrm>
+            <a:off x="6098003" y="4470822"/>
+            <a:ext cx="531684" cy="624043"/>
+          </a:xfrm>
+          <a:prstGeom prst="rect">
+            <a:avLst/>
+          </a:prstGeom>
+        </p:spPr>
+      </p:pic>
+      <p:pic>
+        <p:nvPicPr>
+          <p:cNvPr id="220" name="그림 219"/>
+          <p:cNvPicPr>
+            <a:picLocks noChangeAspect="1"/>
+          </p:cNvPicPr>
+          <p:nvPr/>
+        </p:nvPicPr>
+        <p:blipFill>
+          <a:blip r:embed="rId2" cstate="print">
+            <a:extLst>
+              <a:ext uri="{28A0092B-C50C-407E-A947-70E740481C1C}">
+                <a14:useLocalDpi xmlns:a14="http://schemas.microsoft.com/office/drawing/2010/main" xmlns="" val="0"/>
+              </a:ext>
+            </a:extLst>
+          </a:blip>
+          <a:stretch>
+            <a:fillRect/>
+          </a:stretch>
+        </p:blipFill>
+        <p:spPr>
+          <a:xfrm>
+            <a:off x="1208584" y="4439752"/>
+            <a:ext cx="531684" cy="624043"/>
+          </a:xfrm>
+          <a:prstGeom prst="rect">
+            <a:avLst/>
+          </a:prstGeom>
+        </p:spPr>
+      </p:pic>
+      <p:pic>
+        <p:nvPicPr>
+          <p:cNvPr id="221" name="그림 220"/>
+          <p:cNvPicPr>
+            <a:picLocks noChangeAspect="1"/>
+          </p:cNvPicPr>
+          <p:nvPr/>
+        </p:nvPicPr>
+        <p:blipFill>
+          <a:blip r:embed="rId2" cstate="print">
+            <a:extLst>
+              <a:ext uri="{28A0092B-C50C-407E-A947-70E740481C1C}">
+                <a14:useLocalDpi xmlns:a14="http://schemas.microsoft.com/office/drawing/2010/main" xmlns="" val="0"/>
+              </a:ext>
+            </a:extLst>
+          </a:blip>
+          <a:stretch>
+            <a:fillRect/>
+          </a:stretch>
+        </p:blipFill>
+        <p:spPr>
+          <a:xfrm>
+            <a:off x="6113504" y="3435670"/>
+            <a:ext cx="531684" cy="624043"/>
+          </a:xfrm>
+          <a:prstGeom prst="rect">
+            <a:avLst/>
+          </a:prstGeom>
+        </p:spPr>
+      </p:pic>
+      <p:pic>
+        <p:nvPicPr>
+          <p:cNvPr id="222" name="그림 221"/>
+          <p:cNvPicPr>
+            <a:picLocks noChangeAspect="1"/>
+          </p:cNvPicPr>
+          <p:nvPr/>
+        </p:nvPicPr>
+        <p:blipFill>
+          <a:blip r:embed="rId2" cstate="print">
+            <a:extLst>
+              <a:ext uri="{28A0092B-C50C-407E-A947-70E740481C1C}">
+                <a14:useLocalDpi xmlns:a14="http://schemas.microsoft.com/office/drawing/2010/main" xmlns="" val="0"/>
+              </a:ext>
+            </a:extLst>
+          </a:blip>
+          <a:stretch>
+            <a:fillRect/>
+          </a:stretch>
+        </p:blipFill>
+        <p:spPr>
+          <a:xfrm>
+            <a:off x="1224085" y="3404600"/>
+            <a:ext cx="531684" cy="624043"/>
+          </a:xfrm>
+          <a:prstGeom prst="rect">
+            <a:avLst/>
+          </a:prstGeom>
+        </p:spPr>
+      </p:pic>
+      <p:pic>
+        <p:nvPicPr>
+          <p:cNvPr id="223" name="그림 222"/>
+          <p:cNvPicPr>
+            <a:picLocks noChangeAspect="1"/>
+          </p:cNvPicPr>
+          <p:nvPr/>
+        </p:nvPicPr>
+        <p:blipFill>
+          <a:blip r:embed="rId2" cstate="print">
+            <a:extLst>
+              <a:ext uri="{28A0092B-C50C-407E-A947-70E740481C1C}">
+                <a14:useLocalDpi xmlns:a14="http://schemas.microsoft.com/office/drawing/2010/main" xmlns="" val="0"/>
+              </a:ext>
+            </a:extLst>
+          </a:blip>
+          <a:stretch>
+            <a:fillRect/>
+          </a:stretch>
+        </p:blipFill>
+        <p:spPr>
+          <a:xfrm>
+            <a:off x="6098003" y="2368691"/>
+            <a:ext cx="531684" cy="624043"/>
+          </a:xfrm>
+          <a:prstGeom prst="rect">
+            <a:avLst/>
+          </a:prstGeom>
+        </p:spPr>
+      </p:pic>
+      <p:pic>
+        <p:nvPicPr>
+          <p:cNvPr id="224" name="그림 223"/>
+          <p:cNvPicPr>
+            <a:picLocks noChangeAspect="1"/>
+          </p:cNvPicPr>
+          <p:nvPr/>
+        </p:nvPicPr>
+        <p:blipFill>
+          <a:blip r:embed="rId2" cstate="print">
+            <a:extLst>
+              <a:ext uri="{28A0092B-C50C-407E-A947-70E740481C1C}">
+                <a14:useLocalDpi xmlns:a14="http://schemas.microsoft.com/office/drawing/2010/main" xmlns="" val="0"/>
+              </a:ext>
+            </a:extLst>
+          </a:blip>
+          <a:stretch>
+            <a:fillRect/>
+          </a:stretch>
+        </p:blipFill>
+        <p:spPr>
+          <a:xfrm>
+            <a:off x="1208584" y="2337621"/>
+            <a:ext cx="531684" cy="624043"/>
+          </a:xfrm>
+          <a:prstGeom prst="rect">
+            <a:avLst/>
+          </a:prstGeom>
+        </p:spPr>
+      </p:pic>
+      <p:pic>
+        <p:nvPicPr>
+          <p:cNvPr id="225" name="그림 224"/>
+          <p:cNvPicPr>
+            <a:picLocks noChangeAspect="1"/>
+          </p:cNvPicPr>
+          <p:nvPr/>
+        </p:nvPicPr>
+        <p:blipFill>
+          <a:blip r:embed="rId3" cstate="print">
+            <a:extLst>
+              <a:ext uri="{28A0092B-C50C-407E-A947-70E740481C1C}">
+                <a14:useLocalDpi xmlns:a14="http://schemas.microsoft.com/office/drawing/2010/main" xmlns="" val="0"/>
+              </a:ext>
+            </a:extLst>
+          </a:blip>
+          <a:stretch>
+            <a:fillRect/>
+          </a:stretch>
+        </p:blipFill>
+        <p:spPr>
+          <a:xfrm>
+            <a:off x="2512398" y="5368787"/>
+            <a:ext cx="594449" cy="466048"/>
+          </a:xfrm>
+          <a:prstGeom prst="rect">
+            <a:avLst/>
+          </a:prstGeom>
+        </p:spPr>
+      </p:pic>
+      <p:pic>
+        <p:nvPicPr>
+          <p:cNvPr id="226" name="그림 225"/>
+          <p:cNvPicPr>
+            <a:picLocks noChangeAspect="1"/>
+          </p:cNvPicPr>
+          <p:nvPr/>
+        </p:nvPicPr>
+        <p:blipFill>
+          <a:blip r:embed="rId3" cstate="print">
+            <a:extLst>
+              <a:ext uri="{28A0092B-C50C-407E-A947-70E740481C1C}">
+                <a14:useLocalDpi xmlns:a14="http://schemas.microsoft.com/office/drawing/2010/main" xmlns="" val="0"/>
+              </a:ext>
+            </a:extLst>
+          </a:blip>
+          <a:stretch>
+            <a:fillRect/>
+          </a:stretch>
+        </p:blipFill>
+        <p:spPr>
+          <a:xfrm>
+            <a:off x="2512398" y="4326886"/>
+            <a:ext cx="594449" cy="466048"/>
+          </a:xfrm>
+          <a:prstGeom prst="rect">
+            <a:avLst/>
+          </a:prstGeom>
+        </p:spPr>
+      </p:pic>
+      <p:pic>
+        <p:nvPicPr>
+          <p:cNvPr id="227" name="그림 226"/>
+          <p:cNvPicPr>
+            <a:picLocks noChangeAspect="1"/>
+          </p:cNvPicPr>
+          <p:nvPr/>
+        </p:nvPicPr>
+        <p:blipFill>
+          <a:blip r:embed="rId3" cstate="print">
+            <a:extLst>
+              <a:ext uri="{28A0092B-C50C-407E-A947-70E740481C1C}">
+                <a14:useLocalDpi xmlns:a14="http://schemas.microsoft.com/office/drawing/2010/main" xmlns="" val="0"/>
+              </a:ext>
+            </a:extLst>
+          </a:blip>
+          <a:stretch>
+            <a:fillRect/>
+          </a:stretch>
+        </p:blipFill>
+        <p:spPr>
+          <a:xfrm>
+            <a:off x="3755181" y="3978767"/>
+            <a:ext cx="594449" cy="466048"/>
+          </a:xfrm>
+          <a:prstGeom prst="rect">
+            <a:avLst/>
+          </a:prstGeom>
+        </p:spPr>
+      </p:pic>
+      <p:pic>
+        <p:nvPicPr>
+          <p:cNvPr id="228" name="그림 227"/>
+          <p:cNvPicPr>
+            <a:picLocks noChangeAspect="1"/>
+          </p:cNvPicPr>
+          <p:nvPr/>
+        </p:nvPicPr>
+        <p:blipFill>
+          <a:blip r:embed="rId3" cstate="print">
+            <a:extLst>
+              <a:ext uri="{28A0092B-C50C-407E-A947-70E740481C1C}">
+                <a14:useLocalDpi xmlns:a14="http://schemas.microsoft.com/office/drawing/2010/main" xmlns="" val="0"/>
+              </a:ext>
+            </a:extLst>
+          </a:blip>
+          <a:stretch>
+            <a:fillRect/>
+          </a:stretch>
+        </p:blipFill>
+        <p:spPr>
+          <a:xfrm>
+            <a:off x="3755181" y="2936866"/>
+            <a:ext cx="594449" cy="466048"/>
+          </a:xfrm>
+          <a:prstGeom prst="rect">
+            <a:avLst/>
+          </a:prstGeom>
+        </p:spPr>
+      </p:pic>
+      <p:pic>
+        <p:nvPicPr>
+          <p:cNvPr id="229" name="그림 228"/>
+          <p:cNvPicPr>
+            <a:picLocks noChangeAspect="1"/>
+          </p:cNvPicPr>
+          <p:nvPr/>
+        </p:nvPicPr>
+        <p:blipFill>
+          <a:blip r:embed="rId3" cstate="print">
+            <a:extLst>
+              <a:ext uri="{28A0092B-C50C-407E-A947-70E740481C1C}">
+                <a14:useLocalDpi xmlns:a14="http://schemas.microsoft.com/office/drawing/2010/main" xmlns="" val="0"/>
+              </a:ext>
+            </a:extLst>
+          </a:blip>
+          <a:stretch>
+            <a:fillRect/>
+          </a:stretch>
+        </p:blipFill>
+        <p:spPr>
+          <a:xfrm>
+            <a:off x="7367826" y="2667432"/>
+            <a:ext cx="594449" cy="466048"/>
+          </a:xfrm>
+          <a:prstGeom prst="rect">
+            <a:avLst/>
+          </a:prstGeom>
+        </p:spPr>
+      </p:pic>
+      <p:pic>
+        <p:nvPicPr>
+          <p:cNvPr id="230" name="그림 229"/>
+          <p:cNvPicPr>
+            <a:picLocks noChangeAspect="1"/>
+          </p:cNvPicPr>
+          <p:nvPr/>
+        </p:nvPicPr>
+        <p:blipFill>
+          <a:blip r:embed="rId3" cstate="print">
+            <a:extLst>
+              <a:ext uri="{28A0092B-C50C-407E-A947-70E740481C1C}">
+                <a14:useLocalDpi xmlns:a14="http://schemas.microsoft.com/office/drawing/2010/main" xmlns="" val="0"/>
+              </a:ext>
+            </a:extLst>
+          </a:blip>
+          <a:stretch>
+            <a:fillRect/>
+          </a:stretch>
+        </p:blipFill>
+        <p:spPr>
+          <a:xfrm>
+            <a:off x="7367826" y="1625531"/>
+            <a:ext cx="594449" cy="466048"/>
+          </a:xfrm>
+          <a:prstGeom prst="rect">
+            <a:avLst/>
+          </a:prstGeom>
+        </p:spPr>
+      </p:pic>
+      <p:pic>
+        <p:nvPicPr>
+          <p:cNvPr id="233" name="그림 232"/>
+          <p:cNvPicPr>
+            <a:picLocks noChangeAspect="1"/>
+          </p:cNvPicPr>
+          <p:nvPr/>
+        </p:nvPicPr>
+        <p:blipFill>
+          <a:blip r:embed="rId3" cstate="print">
+            <a:extLst>
+              <a:ext uri="{28A0092B-C50C-407E-A947-70E740481C1C}">
+                <a14:useLocalDpi xmlns:a14="http://schemas.microsoft.com/office/drawing/2010/main" xmlns="" val="0"/>
+              </a:ext>
+            </a:extLst>
+          </a:blip>
+          <a:stretch>
+            <a:fillRect/>
+          </a:stretch>
+        </p:blipFill>
+        <p:spPr>
+          <a:xfrm>
+            <a:off x="-1095672" y="2598693"/>
+            <a:ext cx="594449" cy="466048"/>
+          </a:xfrm>
+          <a:prstGeom prst="rect">
+            <a:avLst/>
+          </a:prstGeom>
+        </p:spPr>
+      </p:pic>
+      <p:pic>
+        <p:nvPicPr>
+          <p:cNvPr id="234" name="그림 233"/>
+          <p:cNvPicPr>
+            <a:picLocks noChangeAspect="1"/>
+          </p:cNvPicPr>
+          <p:nvPr/>
+        </p:nvPicPr>
+        <p:blipFill>
+          <a:blip r:embed="rId3" cstate="print">
+            <a:extLst>
+              <a:ext uri="{28A0092B-C50C-407E-A947-70E740481C1C}">
+                <a14:useLocalDpi xmlns:a14="http://schemas.microsoft.com/office/drawing/2010/main" xmlns="" val="0"/>
+              </a:ext>
+            </a:extLst>
+          </a:blip>
+          <a:stretch>
+            <a:fillRect/>
+          </a:stretch>
+        </p:blipFill>
+        <p:spPr>
+          <a:xfrm>
+            <a:off x="-1095672" y="1556792"/>
+            <a:ext cx="594449" cy="466048"/>
+          </a:xfrm>
+          <a:prstGeom prst="rect">
+            <a:avLst/>
+          </a:prstGeom>
+        </p:spPr>
+      </p:pic>
+      <p:pic>
+        <p:nvPicPr>
+          <p:cNvPr id="235" name="그림 234"/>
+          <p:cNvPicPr>
+            <a:picLocks noChangeAspect="1"/>
+          </p:cNvPicPr>
+          <p:nvPr/>
+        </p:nvPicPr>
+        <p:blipFill>
+          <a:blip r:embed="rId3" cstate="print">
+            <a:extLst>
+              <a:ext uri="{28A0092B-C50C-407E-A947-70E740481C1C}">
+                <a14:useLocalDpi xmlns:a14="http://schemas.microsoft.com/office/drawing/2010/main" xmlns="" val="0"/>
+              </a:ext>
+            </a:extLst>
+          </a:blip>
+          <a:stretch>
+            <a:fillRect/>
+          </a:stretch>
+        </p:blipFill>
+        <p:spPr>
+          <a:xfrm>
+            <a:off x="596516" y="2614948"/>
+            <a:ext cx="594449" cy="466048"/>
+          </a:xfrm>
+          <a:prstGeom prst="rect">
+            <a:avLst/>
+          </a:prstGeom>
+        </p:spPr>
+      </p:pic>
+      <p:pic>
+        <p:nvPicPr>
+          <p:cNvPr id="237" name="그림 236"/>
+          <p:cNvPicPr>
+            <a:picLocks noChangeAspect="1"/>
+          </p:cNvPicPr>
+          <p:nvPr/>
+        </p:nvPicPr>
+        <p:blipFill>
+          <a:blip r:embed="rId3" cstate="print">
+            <a:extLst>
+              <a:ext uri="{28A0092B-C50C-407E-A947-70E740481C1C}">
+                <a14:useLocalDpi xmlns:a14="http://schemas.microsoft.com/office/drawing/2010/main" xmlns="" val="0"/>
+              </a:ext>
+            </a:extLst>
+          </a:blip>
+          <a:stretch>
+            <a:fillRect/>
+          </a:stretch>
+        </p:blipFill>
+        <p:spPr>
+          <a:xfrm>
+            <a:off x="596516" y="1573047"/>
+            <a:ext cx="594449" cy="466048"/>
+          </a:xfrm>
+          <a:prstGeom prst="rect">
+            <a:avLst/>
+          </a:prstGeom>
+        </p:spPr>
+      </p:pic>
+      <p:pic>
+        <p:nvPicPr>
+          <p:cNvPr id="239" name="그림 238"/>
+          <p:cNvPicPr>
+            <a:picLocks noChangeAspect="1"/>
+          </p:cNvPicPr>
+          <p:nvPr/>
+        </p:nvPicPr>
+        <p:blipFill>
+          <a:blip r:embed="rId3" cstate="print">
+            <a:extLst>
+              <a:ext uri="{28A0092B-C50C-407E-A947-70E740481C1C}">
+                <a14:useLocalDpi xmlns:a14="http://schemas.microsoft.com/office/drawing/2010/main" xmlns="" val="0"/>
+              </a:ext>
+            </a:extLst>
+          </a:blip>
+          <a:stretch>
+            <a:fillRect/>
+          </a:stretch>
+        </p:blipFill>
+        <p:spPr>
+          <a:xfrm>
+            <a:off x="2792760" y="2650952"/>
+            <a:ext cx="594449" cy="466048"/>
+          </a:xfrm>
+          <a:prstGeom prst="rect">
+            <a:avLst/>
+          </a:prstGeom>
+        </p:spPr>
+      </p:pic>
+      <p:pic>
+        <p:nvPicPr>
+          <p:cNvPr id="242" name="그림 241"/>
+          <p:cNvPicPr>
+            <a:picLocks noChangeAspect="1"/>
+          </p:cNvPicPr>
+          <p:nvPr/>
+        </p:nvPicPr>
+        <p:blipFill>
+          <a:blip r:embed="rId3" cstate="print">
+            <a:extLst>
+              <a:ext uri="{28A0092B-C50C-407E-A947-70E740481C1C}">
+                <a14:useLocalDpi xmlns:a14="http://schemas.microsoft.com/office/drawing/2010/main" xmlns="" val="0"/>
+              </a:ext>
+            </a:extLst>
+          </a:blip>
+          <a:stretch>
+            <a:fillRect/>
+          </a:stretch>
+        </p:blipFill>
+        <p:spPr>
+          <a:xfrm>
+            <a:off x="2792760" y="1609051"/>
+            <a:ext cx="594449" cy="466048"/>
+          </a:xfrm>
+          <a:prstGeom prst="rect">
+            <a:avLst/>
+          </a:prstGeom>
+        </p:spPr>
+      </p:pic>
     </p:spTree>
     <p:extLst>
       <p:ext uri="{BB962C8B-B14F-4D97-AF65-F5344CB8AC3E}">
